--- a/1_Präsentationen/SWE_BlueCouch_Endpräsentation.pptx
+++ b/1_Präsentationen/SWE_BlueCouch_Endpräsentation.pptx
@@ -5,10 +5,10 @@
     <p:sldMasterId id="2147483648" r:id="rId1"/>
   </p:sldMasterIdLst>
   <p:notesMasterIdLst>
-    <p:notesMasterId r:id="rId11"/>
+    <p:notesMasterId r:id="rId12"/>
   </p:notesMasterIdLst>
   <p:handoutMasterIdLst>
-    <p:handoutMasterId r:id="rId12"/>
+    <p:handoutMasterId r:id="rId13"/>
   </p:handoutMasterIdLst>
   <p:sldIdLst>
     <p:sldId id="344" r:id="rId2"/>
@@ -19,7 +19,8 @@
     <p:sldId id="347" r:id="rId7"/>
     <p:sldId id="348" r:id="rId8"/>
     <p:sldId id="332" r:id="rId9"/>
-    <p:sldId id="350" r:id="rId10"/>
+    <p:sldId id="351" r:id="rId10"/>
+    <p:sldId id="350" r:id="rId11"/>
   </p:sldIdLst>
   <p:sldSz cx="10080625" cy="6840538"/>
   <p:notesSz cx="7099300" cy="10236200"/>
@@ -288,7 +289,7 @@
               <a:pPr>
                 <a:defRPr/>
               </a:pPr>
-              <a:t>23.01.2016</a:t>
+              <a:t>24.01.2016</a:t>
             </a:fld>
             <a:endParaRPr lang="de-DE"/>
           </a:p>
@@ -513,7 +514,7 @@
               <a:pPr>
                 <a:defRPr/>
               </a:pPr>
-              <a:t>23.01.2016</a:t>
+              <a:t>24.01.2016</a:t>
             </a:fld>
             <a:endParaRPr lang="de-AT"/>
           </a:p>
@@ -933,6 +934,98 @@
 </p:notes>
 </file>
 
+<file path=ppt/notesSlides/notesSlide10.xml><?xml version="1.0" encoding="utf-8"?>
+<p:notes xmlns:a="http://schemas.openxmlformats.org/drawingml/2006/main" xmlns:r="http://schemas.openxmlformats.org/officeDocument/2006/relationships" xmlns:p="http://schemas.openxmlformats.org/presentationml/2006/main">
+  <p:cSld>
+    <p:spTree>
+      <p:nvGrpSpPr>
+        <p:cNvPr id="1" name=""/>
+        <p:cNvGrpSpPr/>
+        <p:nvPr/>
+      </p:nvGrpSpPr>
+      <p:grpSpPr>
+        <a:xfrm>
+          <a:off x="0" y="0"/>
+          <a:ext cx="0" cy="0"/>
+          <a:chOff x="0" y="0"/>
+          <a:chExt cx="0" cy="0"/>
+        </a:xfrm>
+      </p:grpSpPr>
+      <p:sp>
+        <p:nvSpPr>
+          <p:cNvPr id="2" name="Folienbildplatzhalter 1"/>
+          <p:cNvSpPr>
+            <a:spLocks noGrp="1" noRot="1" noChangeAspect="1"/>
+          </p:cNvSpPr>
+          <p:nvPr>
+            <p:ph type="sldImg"/>
+          </p:nvPr>
+        </p:nvSpPr>
+        <p:spPr/>
+      </p:sp>
+      <p:sp>
+        <p:nvSpPr>
+          <p:cNvPr id="3" name="Notizenplatzhalter 2"/>
+          <p:cNvSpPr>
+            <a:spLocks noGrp="1"/>
+          </p:cNvSpPr>
+          <p:nvPr>
+            <p:ph type="body" idx="1"/>
+          </p:nvPr>
+        </p:nvSpPr>
+        <p:spPr/>
+        <p:txBody>
+          <a:bodyPr>
+            <a:normAutofit/>
+          </a:bodyPr>
+          <a:lstStyle/>
+          <a:p>
+            <a:endParaRPr lang="de-AT" dirty="0"/>
+          </a:p>
+        </p:txBody>
+      </p:sp>
+      <p:sp>
+        <p:nvSpPr>
+          <p:cNvPr id="4" name="Foliennummernplatzhalter 3"/>
+          <p:cNvSpPr>
+            <a:spLocks noGrp="1"/>
+          </p:cNvSpPr>
+          <p:nvPr>
+            <p:ph type="sldNum" sz="quarter" idx="10"/>
+          </p:nvPr>
+        </p:nvSpPr>
+        <p:spPr/>
+        <p:txBody>
+          <a:bodyPr/>
+          <a:lstStyle/>
+          <a:p>
+            <a:pPr>
+              <a:defRPr/>
+            </a:pPr>
+            <a:fld id="{421AED61-8A9E-4389-91ED-021CAF5693A5}" type="slidenum">
+              <a:rPr lang="de-AT" smtClean="0"/>
+              <a:pPr>
+                <a:defRPr/>
+              </a:pPr>
+              <a:t>10</a:t>
+            </a:fld>
+            <a:endParaRPr lang="de-AT"/>
+          </a:p>
+        </p:txBody>
+      </p:sp>
+    </p:spTree>
+    <p:extLst>
+      <p:ext uri="{BB962C8B-B14F-4D97-AF65-F5344CB8AC3E}">
+        <p14:creationId xmlns:p14="http://schemas.microsoft.com/office/powerpoint/2010/main" val="2544489922"/>
+      </p:ext>
+    </p:extLst>
+  </p:cSld>
+  <p:clrMapOvr>
+    <a:masterClrMapping/>
+  </p:clrMapOvr>
+</p:notes>
+</file>
+
 <file path=ppt/notesSlides/notesSlide2.xml><?xml version="1.0" encoding="utf-8"?>
 <p:notes xmlns:a="http://schemas.openxmlformats.org/drawingml/2006/main" xmlns:r="http://schemas.openxmlformats.org/officeDocument/2006/relationships" xmlns:p="http://schemas.openxmlformats.org/presentationml/2006/main">
   <p:cSld>
@@ -1654,7 +1747,7 @@
     </p:spTree>
     <p:extLst>
       <p:ext uri="{BB962C8B-B14F-4D97-AF65-F5344CB8AC3E}">
-        <p14:creationId xmlns:p14="http://schemas.microsoft.com/office/powerpoint/2010/main" val="2544489922"/>
+        <p14:creationId xmlns:p14="http://schemas.microsoft.com/office/powerpoint/2010/main" val="3927267594"/>
       </p:ext>
     </p:extLst>
   </p:cSld>
@@ -4407,23 +4500,8 @@
                 </a:solidFill>
                 <a:latin typeface="Calibri" panose="020F0502020204030204" pitchFamily="34" charset="0"/>
               </a:rPr>
-              <a:t>Christian </a:t>
-            </a:r>
-            <a:r>
-              <a:rPr lang="de-DE" sz="2000" b="1" dirty="0" smtClean="0">
-                <a:solidFill>
-                  <a:schemeClr val="bg1"/>
-                </a:solidFill>
-                <a:latin typeface="Calibri" panose="020F0502020204030204" pitchFamily="34" charset="0"/>
-              </a:rPr>
-              <a:t>Pfneisl</a:t>
-            </a:r>
-            <a:endParaRPr lang="de-DE" sz="2000" b="1" dirty="0" smtClean="0">
-              <a:solidFill>
-                <a:schemeClr val="bg1"/>
-              </a:solidFill>
-              <a:latin typeface="Calibri" panose="020F0502020204030204" pitchFamily="34" charset="0"/>
-            </a:endParaRPr>
+              <a:t>Christian Pfneisl</a:t>
+            </a:r>
           </a:p>
         </p:txBody>
       </p:sp>
@@ -4560,6 +4638,189 @@
     <p:extLst>
       <p:ext uri="{BB962C8B-B14F-4D97-AF65-F5344CB8AC3E}">
         <p14:creationId xmlns:p14="http://schemas.microsoft.com/office/powerpoint/2010/main" val="2049922580"/>
+      </p:ext>
+    </p:extLst>
+  </p:cSld>
+  <p:clrMapOvr>
+    <a:masterClrMapping/>
+  </p:clrMapOvr>
+</p:sld>
+</file>
+
+<file path=ppt/slides/slide10.xml><?xml version="1.0" encoding="utf-8"?>
+<p:sld xmlns:a="http://schemas.openxmlformats.org/drawingml/2006/main" xmlns:r="http://schemas.openxmlformats.org/officeDocument/2006/relationships" xmlns:p="http://schemas.openxmlformats.org/presentationml/2006/main">
+  <p:cSld>
+    <p:spTree>
+      <p:nvGrpSpPr>
+        <p:cNvPr id="1" name=""/>
+        <p:cNvGrpSpPr/>
+        <p:nvPr/>
+      </p:nvGrpSpPr>
+      <p:grpSpPr>
+        <a:xfrm>
+          <a:off x="0" y="0"/>
+          <a:ext cx="0" cy="0"/>
+          <a:chOff x="0" y="0"/>
+          <a:chExt cx="0" cy="0"/>
+        </a:xfrm>
+      </p:grpSpPr>
+      <p:pic>
+        <p:nvPicPr>
+          <p:cNvPr id="2" name="Grafik 1"/>
+          <p:cNvPicPr>
+            <a:picLocks noChangeAspect="1"/>
+          </p:cNvPicPr>
+          <p:nvPr/>
+        </p:nvPicPr>
+        <p:blipFill>
+          <a:blip r:embed="rId3"/>
+          <a:stretch>
+            <a:fillRect/>
+          </a:stretch>
+        </p:blipFill>
+        <p:spPr>
+          <a:xfrm>
+            <a:off x="1151880" y="1188021"/>
+            <a:ext cx="8076944" cy="5127498"/>
+          </a:xfrm>
+          <a:prstGeom prst="rect">
+            <a:avLst/>
+          </a:prstGeom>
+        </p:spPr>
+      </p:pic>
+      <p:sp>
+        <p:nvSpPr>
+          <p:cNvPr id="10" name="Foliennummernplatzhalter 3"/>
+          <p:cNvSpPr>
+            <a:spLocks noGrp="1"/>
+          </p:cNvSpPr>
+          <p:nvPr>
+            <p:ph type="sldNum" sz="quarter" idx="10"/>
+          </p:nvPr>
+        </p:nvSpPr>
+        <p:spPr bwMode="auto">
+          <a:xfrm>
+            <a:off x="9719940" y="6661150"/>
+            <a:ext cx="360685" cy="179388"/>
+          </a:xfrm>
+          <a:prstGeom prst="rect">
+            <a:avLst/>
+          </a:prstGeom>
+          <a:ln>
+            <a:miter lim="800000"/>
+            <a:headEnd/>
+            <a:tailEnd/>
+          </a:ln>
+        </p:spPr>
+        <p:txBody>
+          <a:bodyPr wrap="square" numCol="1" anchorCtr="0" compatLnSpc="1">
+            <a:prstTxWarp prst="textNoShape">
+              <a:avLst/>
+            </a:prstTxWarp>
+          </a:bodyPr>
+          <a:lstStyle/>
+          <a:p>
+            <a:pPr algn="ctr" fontAlgn="base">
+              <a:spcBef>
+                <a:spcPct val="0"/>
+              </a:spcBef>
+              <a:spcAft>
+                <a:spcPct val="0"/>
+              </a:spcAft>
+              <a:defRPr/>
+            </a:pPr>
+            <a:fld id="{5D6F7771-04F9-46BF-83FA-DE3BEA921C7E}" type="slidenum">
+              <a:rPr lang="de-AT" smtClean="0">
+                <a:latin typeface="Calibri" panose="020F0502020204030204" pitchFamily="34" charset="0"/>
+              </a:rPr>
+              <a:pPr algn="ctr" fontAlgn="base">
+                <a:spcBef>
+                  <a:spcPct val="0"/>
+                </a:spcBef>
+                <a:spcAft>
+                  <a:spcPct val="0"/>
+                </a:spcAft>
+                <a:defRPr/>
+              </a:pPr>
+              <a:t>10</a:t>
+            </a:fld>
+            <a:endParaRPr lang="de-AT" smtClean="0">
+              <a:latin typeface="Calibri" panose="020F0502020204030204" pitchFamily="34" charset="0"/>
+            </a:endParaRPr>
+          </a:p>
+        </p:txBody>
+      </p:sp>
+      <p:sp>
+        <p:nvSpPr>
+          <p:cNvPr id="8" name="Text Box 12"/>
+          <p:cNvSpPr txBox="1">
+            <a:spLocks noChangeArrowheads="1"/>
+          </p:cNvSpPr>
+          <p:nvPr/>
+        </p:nvSpPr>
+        <p:spPr bwMode="auto">
+          <a:xfrm>
+            <a:off x="863848" y="251917"/>
+            <a:ext cx="5760640" cy="699828"/>
+          </a:xfrm>
+          <a:prstGeom prst="rect">
+            <a:avLst/>
+          </a:prstGeom>
+          <a:solidFill>
+            <a:srgbClr val="099BDD"/>
+          </a:solidFill>
+          <a:ln w="9525">
+            <a:noFill/>
+            <a:miter lim="800000"/>
+            <a:headEnd/>
+            <a:tailEnd/>
+          </a:ln>
+        </p:spPr>
+        <p:txBody>
+          <a:bodyPr lIns="0" rIns="0" anchor="ctr"/>
+          <a:lstStyle/>
+          <a:p>
+            <a:pPr>
+              <a:spcBef>
+                <a:spcPts val="600"/>
+              </a:spcBef>
+            </a:pPr>
+            <a:r>
+              <a:rPr lang="de-DE" sz="2800" b="1" dirty="0" smtClean="0">
+                <a:solidFill>
+                  <a:schemeClr val="tx1"/>
+                </a:solidFill>
+                <a:effectLst>
+                  <a:outerShdw blurRad="38100" dist="38100" dir="2700000" algn="tl">
+                    <a:srgbClr val="000000">
+                      <a:alpha val="43137"/>
+                    </a:srgbClr>
+                  </a:outerShdw>
+                </a:effectLst>
+                <a:latin typeface="Calibri" panose="020F0502020204030204" pitchFamily="34" charset="0"/>
+              </a:rPr>
+              <a:t>DANKE FÜR EURE AUFMERKSAMKEIT</a:t>
+            </a:r>
+            <a:endParaRPr lang="de-DE" sz="2800" b="1" dirty="0">
+              <a:solidFill>
+                <a:schemeClr val="tx1"/>
+              </a:solidFill>
+              <a:effectLst>
+                <a:outerShdw blurRad="38100" dist="38100" dir="2700000" algn="tl">
+                  <a:srgbClr val="000000">
+                    <a:alpha val="43137"/>
+                  </a:srgbClr>
+                </a:outerShdw>
+              </a:effectLst>
+              <a:latin typeface="Calibri" panose="020F0502020204030204" pitchFamily="34" charset="0"/>
+            </a:endParaRPr>
+          </a:p>
+        </p:txBody>
+      </p:sp>
+    </p:spTree>
+    <p:extLst>
+      <p:ext uri="{BB962C8B-B14F-4D97-AF65-F5344CB8AC3E}">
+        <p14:creationId xmlns:p14="http://schemas.microsoft.com/office/powerpoint/2010/main" val="945722871"/>
       </p:ext>
     </p:extLst>
   </p:cSld>
@@ -4698,23 +4959,8 @@
                 </a:solidFill>
                 <a:latin typeface="Calibri" panose="020F0502020204030204" pitchFamily="34" charset="0"/>
               </a:rPr>
-              <a:t>Profili</a:t>
-            </a:r>
-            <a:r>
-              <a:rPr lang="de-AT" sz="2400" b="1" dirty="0" smtClean="0">
-                <a:solidFill>
-                  <a:schemeClr val="bg1"/>
-                </a:solidFill>
-                <a:latin typeface="Calibri" panose="020F0502020204030204" pitchFamily="34" charset="0"/>
-              </a:rPr>
-              <a:t>nfo verwalten (Kontaktdaten, Pers. Info, Bild) (3)</a:t>
-            </a:r>
-            <a:endParaRPr lang="de-AT" sz="2400" b="1" dirty="0" smtClean="0">
-              <a:solidFill>
-                <a:schemeClr val="bg1"/>
-              </a:solidFill>
-              <a:latin typeface="Calibri" panose="020F0502020204030204" pitchFamily="34" charset="0"/>
-            </a:endParaRPr>
+              <a:t>Profilinfo verwalten (Kontaktdaten, Pers. Info, Bild) (3)</a:t>
+            </a:r>
           </a:p>
           <a:p>
             <a:pPr marL="342900" indent="-342900">
@@ -5046,7 +5292,7 @@
         </p:nvSpPr>
         <p:spPr bwMode="auto">
           <a:xfrm>
-            <a:off x="5935866" y="5220469"/>
+            <a:off x="5911522" y="6071775"/>
             <a:ext cx="3562967" cy="1044748"/>
           </a:xfrm>
           <a:prstGeom prst="rect">
@@ -5094,6 +5340,82 @@
               </a:solidFill>
               <a:latin typeface="Calibri" panose="020F0502020204030204" pitchFamily="34" charset="0"/>
             </a:endParaRPr>
+          </a:p>
+        </p:txBody>
+      </p:sp>
+      <p:sp>
+        <p:nvSpPr>
+          <p:cNvPr id="2" name="Wolke 1"/>
+          <p:cNvSpPr/>
+          <p:nvPr/>
+        </p:nvSpPr>
+        <p:spPr>
+          <a:xfrm>
+            <a:off x="5147109" y="3420269"/>
+            <a:ext cx="4572831" cy="2130604"/>
+          </a:xfrm>
+          <a:prstGeom prst="cloud">
+            <a:avLst/>
+          </a:prstGeom>
+        </p:spPr>
+        <p:style>
+          <a:lnRef idx="2">
+            <a:schemeClr val="accent1">
+              <a:shade val="50000"/>
+            </a:schemeClr>
+          </a:lnRef>
+          <a:fillRef idx="1">
+            <a:schemeClr val="accent1"/>
+          </a:fillRef>
+          <a:effectRef idx="0">
+            <a:schemeClr val="accent1"/>
+          </a:effectRef>
+          <a:fontRef idx="minor">
+            <a:schemeClr val="lt1"/>
+          </a:fontRef>
+        </p:style>
+        <p:txBody>
+          <a:bodyPr rtlCol="0" anchor="ctr"/>
+          <a:lstStyle/>
+          <a:p>
+            <a:pPr marL="285750" indent="-285750">
+              <a:buFont typeface="Arial" panose="020B0604020202020204" pitchFamily="34" charset="0"/>
+              <a:buChar char="•"/>
+            </a:pPr>
+            <a:r>
+              <a:rPr lang="de-AT" b="1" i="1" dirty="0" smtClean="0"/>
+              <a:t>Information teilen</a:t>
+            </a:r>
+          </a:p>
+          <a:p>
+            <a:pPr marL="285750" indent="-285750">
+              <a:buFont typeface="Arial" panose="020B0604020202020204" pitchFamily="34" charset="0"/>
+              <a:buChar char="•"/>
+            </a:pPr>
+            <a:r>
+              <a:rPr lang="de-AT" b="1" i="1" dirty="0" smtClean="0"/>
+              <a:t>Sichtbarkeit festlegen</a:t>
+            </a:r>
+          </a:p>
+          <a:p>
+            <a:pPr marL="285750" indent="-285750">
+              <a:buFont typeface="Arial" panose="020B0604020202020204" pitchFamily="34" charset="0"/>
+              <a:buChar char="•"/>
+            </a:pPr>
+            <a:r>
+              <a:rPr lang="de-AT" b="1" i="1" dirty="0" smtClean="0"/>
+              <a:t>User / Beiträge sperren</a:t>
+            </a:r>
+          </a:p>
+          <a:p>
+            <a:pPr marL="285750" indent="-285750">
+              <a:buFont typeface="Arial" panose="020B0604020202020204" pitchFamily="34" charset="0"/>
+              <a:buChar char="•"/>
+            </a:pPr>
+            <a:r>
+              <a:rPr lang="de-AT" b="1" i="1" dirty="0" smtClean="0"/>
+              <a:t>Statistik auswerten</a:t>
+            </a:r>
           </a:p>
         </p:txBody>
       </p:sp>
@@ -6114,13 +6436,471 @@
       </p:sp>
       <p:sp>
         <p:nvSpPr>
+          <p:cNvPr id="5" name="Inhaltsplatzhalter 2"/>
+          <p:cNvSpPr txBox="1">
+            <a:spLocks/>
+          </p:cNvSpPr>
+          <p:nvPr/>
+        </p:nvSpPr>
+        <p:spPr bwMode="auto">
+          <a:xfrm>
+            <a:off x="719832" y="1051945"/>
+            <a:ext cx="8784976" cy="5257105"/>
+          </a:xfrm>
+          <a:prstGeom prst="rect">
+            <a:avLst/>
+          </a:prstGeom>
+          <a:noFill/>
+          <a:ln w="9525">
+            <a:noFill/>
+            <a:miter lim="800000"/>
+            <a:headEnd/>
+            <a:tailEnd/>
+          </a:ln>
+        </p:spPr>
+        <p:txBody>
+          <a:bodyPr vert="horz" wrap="square" lIns="0" tIns="45720" rIns="0" bIns="45720" numCol="1" anchor="t" anchorCtr="0" compatLnSpc="1">
+            <a:prstTxWarp prst="textNoShape">
+              <a:avLst/>
+            </a:prstTxWarp>
+          </a:bodyPr>
+          <a:lstStyle/>
+          <a:p>
+            <a:pPr marL="342900" lvl="0" indent="-342900">
+              <a:spcBef>
+                <a:spcPct val="20000"/>
+              </a:spcBef>
+              <a:buClr>
+                <a:srgbClr val="FF0000"/>
+              </a:buClr>
+              <a:buFont typeface="Wingdings" panose="05000000000000000000" pitchFamily="2" charset="2"/>
+              <a:buChar char="§"/>
+              <a:defRPr/>
+            </a:pPr>
+            <a:r>
+              <a:rPr lang="de-AT" sz="2400" b="1" dirty="0" smtClean="0">
+                <a:solidFill>
+                  <a:schemeClr val="bg1"/>
+                </a:solidFill>
+                <a:latin typeface="Calibri" panose="020F0502020204030204" pitchFamily="34" charset="0"/>
+              </a:rPr>
+              <a:t>20 Klassen / 5 Packages</a:t>
+            </a:r>
+          </a:p>
+          <a:p>
+            <a:pPr marL="800100" lvl="1" indent="-342900">
+              <a:spcBef>
+                <a:spcPct val="20000"/>
+              </a:spcBef>
+              <a:buClr>
+                <a:srgbClr val="FF0000"/>
+              </a:buClr>
+              <a:buFont typeface="Wingdings" panose="05000000000000000000" pitchFamily="2" charset="2"/>
+              <a:buChar char="ü"/>
+              <a:defRPr/>
+            </a:pPr>
+            <a:r>
+              <a:rPr lang="de-AT" sz="2000" dirty="0" smtClean="0">
+                <a:solidFill>
+                  <a:schemeClr val="bg1"/>
+                </a:solidFill>
+                <a:latin typeface="Calibri" panose="020F0502020204030204" pitchFamily="34" charset="0"/>
+              </a:rPr>
+              <a:t>9 Servlets (+</a:t>
+            </a:r>
+            <a:r>
+              <a:rPr lang="de-AT" sz="2000" dirty="0" err="1" smtClean="0">
+                <a:solidFill>
+                  <a:schemeClr val="bg1"/>
+                </a:solidFill>
+                <a:latin typeface="Calibri" panose="020F0502020204030204" pitchFamily="34" charset="0"/>
+              </a:rPr>
+              <a:t>jsps</a:t>
+            </a:r>
+            <a:r>
+              <a:rPr lang="de-AT" sz="2000" dirty="0" smtClean="0">
+                <a:solidFill>
+                  <a:schemeClr val="bg1"/>
+                </a:solidFill>
+                <a:latin typeface="Calibri" panose="020F0502020204030204" pitchFamily="34" charset="0"/>
+              </a:rPr>
+              <a:t>)</a:t>
+            </a:r>
+          </a:p>
+          <a:p>
+            <a:pPr marL="800100" lvl="1" indent="-342900">
+              <a:spcBef>
+                <a:spcPct val="20000"/>
+              </a:spcBef>
+              <a:buClr>
+                <a:srgbClr val="FF0000"/>
+              </a:buClr>
+              <a:buFont typeface="Wingdings" panose="05000000000000000000" pitchFamily="2" charset="2"/>
+              <a:buChar char="ü"/>
+              <a:defRPr/>
+            </a:pPr>
+            <a:r>
+              <a:rPr lang="de-AT" sz="2000" dirty="0" smtClean="0">
+                <a:solidFill>
+                  <a:schemeClr val="bg1"/>
+                </a:solidFill>
+                <a:latin typeface="Calibri" panose="020F0502020204030204" pitchFamily="34" charset="0"/>
+              </a:rPr>
+              <a:t>1 Anwendermanagement / 1 DAO</a:t>
+            </a:r>
+          </a:p>
+          <a:p>
+            <a:pPr marL="800100" lvl="1" indent="-342900">
+              <a:spcBef>
+                <a:spcPct val="20000"/>
+              </a:spcBef>
+              <a:buClr>
+                <a:srgbClr val="FF0000"/>
+              </a:buClr>
+              <a:buFont typeface="Wingdings" panose="05000000000000000000" pitchFamily="2" charset="2"/>
+              <a:buChar char="ü"/>
+              <a:defRPr/>
+            </a:pPr>
+            <a:r>
+              <a:rPr lang="de-AT" sz="2000" dirty="0" smtClean="0">
+                <a:solidFill>
+                  <a:schemeClr val="bg1"/>
+                </a:solidFill>
+                <a:latin typeface="Calibri" panose="020F0502020204030204" pitchFamily="34" charset="0"/>
+              </a:rPr>
+              <a:t>4 Benutzer </a:t>
+            </a:r>
+          </a:p>
+          <a:p>
+            <a:pPr marL="800100" lvl="1" indent="-342900">
+              <a:spcBef>
+                <a:spcPct val="20000"/>
+              </a:spcBef>
+              <a:buClr>
+                <a:srgbClr val="FF0000"/>
+              </a:buClr>
+              <a:buFont typeface="Wingdings" panose="05000000000000000000" pitchFamily="2" charset="2"/>
+              <a:buChar char="ü"/>
+              <a:defRPr/>
+            </a:pPr>
+            <a:r>
+              <a:rPr lang="de-AT" sz="2000" dirty="0" smtClean="0">
+                <a:solidFill>
+                  <a:schemeClr val="bg1"/>
+                </a:solidFill>
+                <a:latin typeface="Calibri" panose="020F0502020204030204" pitchFamily="34" charset="0"/>
+              </a:rPr>
+              <a:t>5 </a:t>
+            </a:r>
+            <a:r>
+              <a:rPr lang="de-AT" sz="2000" dirty="0" err="1" smtClean="0">
+                <a:solidFill>
+                  <a:schemeClr val="bg1"/>
+                </a:solidFill>
+                <a:latin typeface="Calibri" panose="020F0502020204030204" pitchFamily="34" charset="0"/>
+              </a:rPr>
+              <a:t>UserInfo</a:t>
+            </a:r>
+            <a:endParaRPr lang="de-AT" sz="2000" dirty="0" smtClean="0">
+              <a:solidFill>
+                <a:schemeClr val="bg1"/>
+              </a:solidFill>
+              <a:latin typeface="Calibri" panose="020F0502020204030204" pitchFamily="34" charset="0"/>
+            </a:endParaRPr>
+          </a:p>
+          <a:p>
+            <a:pPr marL="342900" indent="-342900">
+              <a:spcBef>
+                <a:spcPct val="20000"/>
+              </a:spcBef>
+              <a:buClr>
+                <a:srgbClr val="FF0000"/>
+              </a:buClr>
+              <a:buFont typeface="Wingdings" panose="05000000000000000000" pitchFamily="2" charset="2"/>
+              <a:buChar char="§"/>
+              <a:defRPr/>
+            </a:pPr>
+            <a:r>
+              <a:rPr lang="de-AT" sz="2400" b="1" dirty="0" smtClean="0">
+                <a:solidFill>
+                  <a:schemeClr val="bg1"/>
+                </a:solidFill>
+                <a:latin typeface="Calibri" panose="020F0502020204030204" pitchFamily="34" charset="0"/>
+              </a:rPr>
+              <a:t>???? Programmzeilen</a:t>
+            </a:r>
+          </a:p>
+          <a:p>
+            <a:pPr marL="800100" lvl="1" indent="-342900">
+              <a:spcBef>
+                <a:spcPct val="20000"/>
+              </a:spcBef>
+              <a:buClr>
+                <a:srgbClr val="FF0000"/>
+              </a:buClr>
+              <a:buFont typeface="Wingdings" panose="05000000000000000000" pitchFamily="2" charset="2"/>
+              <a:buChar char="ü"/>
+              <a:defRPr/>
+            </a:pPr>
+            <a:r>
+              <a:rPr lang="de-AT" sz="2000" dirty="0" smtClean="0">
+                <a:solidFill>
+                  <a:schemeClr val="bg1"/>
+                </a:solidFill>
+                <a:latin typeface="Calibri" panose="020F0502020204030204" pitchFamily="34" charset="0"/>
+              </a:rPr>
+              <a:t>??? reine Codezeilen</a:t>
+            </a:r>
+          </a:p>
+          <a:p>
+            <a:pPr marL="800100" lvl="1" indent="-342900">
+              <a:spcBef>
+                <a:spcPct val="20000"/>
+              </a:spcBef>
+              <a:buClr>
+                <a:srgbClr val="FF0000"/>
+              </a:buClr>
+              <a:buFont typeface="Wingdings" panose="05000000000000000000" pitchFamily="2" charset="2"/>
+              <a:buChar char="ü"/>
+              <a:defRPr/>
+            </a:pPr>
+            <a:r>
+              <a:rPr lang="de-AT" sz="2000" dirty="0" smtClean="0">
+                <a:solidFill>
+                  <a:schemeClr val="bg1"/>
+                </a:solidFill>
+                <a:latin typeface="Calibri" panose="020F0502020204030204" pitchFamily="34" charset="0"/>
+              </a:rPr>
+              <a:t>???  reine Kommentarzeilen</a:t>
+            </a:r>
+            <a:endParaRPr lang="de-AT" sz="2000" dirty="0" smtClean="0">
+              <a:solidFill>
+                <a:schemeClr val="bg1"/>
+              </a:solidFill>
+              <a:latin typeface="Calibri" panose="020F0502020204030204" pitchFamily="34" charset="0"/>
+            </a:endParaRPr>
+          </a:p>
+          <a:p>
+            <a:pPr marL="342900" lvl="0" indent="-342900">
+              <a:spcBef>
+                <a:spcPct val="20000"/>
+              </a:spcBef>
+              <a:buClr>
+                <a:srgbClr val="FF0000"/>
+              </a:buClr>
+              <a:buFont typeface="Wingdings" panose="05000000000000000000" pitchFamily="2" charset="2"/>
+              <a:buChar char="§"/>
+              <a:defRPr/>
+            </a:pPr>
+            <a:r>
+              <a:rPr lang="de-AT" sz="2400" b="1" dirty="0" smtClean="0">
+                <a:solidFill>
+                  <a:schemeClr val="bg1"/>
+                </a:solidFill>
+                <a:latin typeface="Calibri" panose="020F0502020204030204" pitchFamily="34" charset="0"/>
+              </a:rPr>
+              <a:t>19 </a:t>
+            </a:r>
+            <a:r>
+              <a:rPr lang="de-AT" sz="2400" b="1" dirty="0" err="1" smtClean="0">
+                <a:solidFill>
+                  <a:schemeClr val="bg1"/>
+                </a:solidFill>
+                <a:latin typeface="Calibri" panose="020F0502020204030204" pitchFamily="34" charset="0"/>
+              </a:rPr>
+              <a:t>Testcases</a:t>
+            </a:r>
+            <a:endParaRPr lang="de-AT" sz="2400" b="1" dirty="0" smtClean="0">
+              <a:solidFill>
+                <a:schemeClr val="bg1"/>
+              </a:solidFill>
+              <a:latin typeface="Calibri" panose="020F0502020204030204" pitchFamily="34" charset="0"/>
+            </a:endParaRPr>
+          </a:p>
+          <a:p>
+            <a:pPr marL="342900" indent="-342900">
+              <a:spcBef>
+                <a:spcPct val="20000"/>
+              </a:spcBef>
+              <a:buClr>
+                <a:srgbClr val="FF0000"/>
+              </a:buClr>
+              <a:buFont typeface="Wingdings" panose="05000000000000000000" pitchFamily="2" charset="2"/>
+              <a:buChar char="§"/>
+              <a:defRPr/>
+            </a:pPr>
+            <a:r>
+              <a:rPr lang="de-AT" sz="2400" b="1" dirty="0" smtClean="0">
+                <a:solidFill>
+                  <a:schemeClr val="bg1"/>
+                </a:solidFill>
+                <a:latin typeface="Calibri" panose="020F0502020204030204" pitchFamily="34" charset="0"/>
+              </a:rPr>
+              <a:t>Technologien</a:t>
+            </a:r>
+            <a:endParaRPr lang="de-AT" sz="2400" b="1" dirty="0">
+              <a:solidFill>
+                <a:schemeClr val="bg1"/>
+              </a:solidFill>
+              <a:latin typeface="Calibri" panose="020F0502020204030204" pitchFamily="34" charset="0"/>
+            </a:endParaRPr>
+          </a:p>
+          <a:p>
+            <a:pPr marL="800100" lvl="1" indent="-342900">
+              <a:spcBef>
+                <a:spcPct val="20000"/>
+              </a:spcBef>
+              <a:buClr>
+                <a:srgbClr val="FF0000"/>
+              </a:buClr>
+              <a:buFont typeface="Wingdings" panose="05000000000000000000" pitchFamily="2" charset="2"/>
+              <a:buChar char="ü"/>
+              <a:defRPr/>
+            </a:pPr>
+            <a:r>
+              <a:rPr lang="de-AT" sz="2000" dirty="0" smtClean="0">
+                <a:solidFill>
+                  <a:schemeClr val="bg1"/>
+                </a:solidFill>
+                <a:latin typeface="Calibri" panose="020F0502020204030204" pitchFamily="34" charset="0"/>
+              </a:rPr>
+              <a:t>?????</a:t>
+            </a:r>
+            <a:endParaRPr lang="de-AT" sz="2000" dirty="0">
+              <a:solidFill>
+                <a:schemeClr val="bg1"/>
+              </a:solidFill>
+              <a:latin typeface="Calibri" panose="020F0502020204030204" pitchFamily="34" charset="0"/>
+            </a:endParaRPr>
+          </a:p>
+          <a:p>
+            <a:pPr marL="800100" lvl="1" indent="-342900">
+              <a:spcBef>
+                <a:spcPct val="20000"/>
+              </a:spcBef>
+              <a:buClr>
+                <a:srgbClr val="FF0000"/>
+              </a:buClr>
+              <a:buFont typeface="Wingdings" panose="05000000000000000000" pitchFamily="2" charset="2"/>
+              <a:buChar char="ü"/>
+              <a:defRPr/>
+            </a:pPr>
+            <a:r>
+              <a:rPr lang="de-AT" sz="2000" dirty="0" smtClean="0">
+                <a:solidFill>
+                  <a:schemeClr val="bg1"/>
+                </a:solidFill>
+                <a:latin typeface="Calibri" panose="020F0502020204030204" pitchFamily="34" charset="0"/>
+              </a:rPr>
+              <a:t>???</a:t>
+            </a:r>
+          </a:p>
+          <a:p>
+            <a:pPr marL="342900" indent="-342900">
+              <a:spcBef>
+                <a:spcPct val="20000"/>
+              </a:spcBef>
+              <a:buClr>
+                <a:srgbClr val="FF0000"/>
+              </a:buClr>
+              <a:buFont typeface="Wingdings" panose="05000000000000000000" pitchFamily="2" charset="2"/>
+              <a:buChar char="§"/>
+              <a:defRPr/>
+            </a:pPr>
+            <a:r>
+              <a:rPr lang="de-AT" sz="2400" b="1" dirty="0" smtClean="0">
+                <a:solidFill>
+                  <a:schemeClr val="bg1"/>
+                </a:solidFill>
+                <a:latin typeface="Calibri" panose="020F0502020204030204" pitchFamily="34" charset="0"/>
+              </a:rPr>
+              <a:t>MVC – Pattern --??? Sonst noch was?</a:t>
+            </a:r>
+            <a:endParaRPr lang="de-AT" sz="2000" dirty="0">
+              <a:solidFill>
+                <a:schemeClr val="bg1"/>
+              </a:solidFill>
+              <a:latin typeface="Calibri" panose="020F0502020204030204" pitchFamily="34" charset="0"/>
+            </a:endParaRPr>
+          </a:p>
+          <a:p>
+            <a:pPr marL="342900" lvl="0" indent="-342900">
+              <a:spcBef>
+                <a:spcPct val="20000"/>
+              </a:spcBef>
+              <a:buClr>
+                <a:srgbClr val="FF0000"/>
+              </a:buClr>
+              <a:buFont typeface="Wingdings" panose="05000000000000000000" pitchFamily="2" charset="2"/>
+              <a:buChar char="§"/>
+              <a:defRPr/>
+            </a:pPr>
+            <a:endParaRPr lang="de-AT" sz="2400" b="1" dirty="0">
+              <a:solidFill>
+                <a:schemeClr val="bg1"/>
+              </a:solidFill>
+              <a:latin typeface="Calibri" panose="020F0502020204030204" pitchFamily="34" charset="0"/>
+            </a:endParaRPr>
+          </a:p>
+        </p:txBody>
+      </p:sp>
+      <p:pic>
+        <p:nvPicPr>
+          <p:cNvPr id="7" name="Grafik 6"/>
+          <p:cNvPicPr>
+            <a:picLocks noChangeAspect="1"/>
+          </p:cNvPicPr>
+          <p:nvPr/>
+        </p:nvPicPr>
+        <p:blipFill>
+          <a:blip r:embed="rId3"/>
+          <a:stretch>
+            <a:fillRect/>
+          </a:stretch>
+        </p:blipFill>
+        <p:spPr>
+          <a:xfrm>
+            <a:off x="5112321" y="1428582"/>
+            <a:ext cx="4787962" cy="1600433"/>
+          </a:xfrm>
+          <a:prstGeom prst="rect">
+            <a:avLst/>
+          </a:prstGeom>
+        </p:spPr>
+      </p:pic>
+      <p:pic>
+        <p:nvPicPr>
+          <p:cNvPr id="2" name="Grafik 1"/>
+          <p:cNvPicPr>
+            <a:picLocks noChangeAspect="1"/>
+          </p:cNvPicPr>
+          <p:nvPr/>
+        </p:nvPicPr>
+        <p:blipFill>
+          <a:blip r:embed="rId4"/>
+          <a:stretch>
+            <a:fillRect/>
+          </a:stretch>
+        </p:blipFill>
+        <p:spPr>
+          <a:xfrm>
+            <a:off x="5083320" y="3122149"/>
+            <a:ext cx="4636620" cy="1846585"/>
+          </a:xfrm>
+          <a:prstGeom prst="rect">
+            <a:avLst/>
+          </a:prstGeom>
+        </p:spPr>
+      </p:pic>
+      <p:sp>
+        <p:nvSpPr>
           <p:cNvPr id="6" name="Rechteck 5"/>
           <p:cNvSpPr/>
           <p:nvPr/>
         </p:nvSpPr>
         <p:spPr>
           <a:xfrm>
-            <a:off x="3774582" y="2958603"/>
+            <a:off x="6120432" y="5450220"/>
             <a:ext cx="5010146" cy="923330"/>
           </a:xfrm>
           <a:prstGeom prst="rect">
@@ -6156,7 +6936,7 @@
                   </a:outerShdw>
                 </a:effectLst>
               </a:rPr>
-              <a:t>OFFEN</a:t>
+              <a:t>Fertigstellen</a:t>
             </a:r>
             <a:endParaRPr lang="de-DE" sz="5400" b="1" cap="none" spc="0" dirty="0">
               <a:ln w="9525">
@@ -6320,7 +7100,7 @@
                 </a:effectLst>
                 <a:latin typeface="Calibri" panose="020F0502020204030204" pitchFamily="34" charset="0"/>
               </a:rPr>
-              <a:t>Projektumfang</a:t>
+              <a:t>Idee vs. Endprodukt</a:t>
             </a:r>
             <a:endParaRPr lang="de-DE" sz="2800" b="1" dirty="0">
               <a:solidFill>
@@ -6340,14 +7120,358 @@
       </p:sp>
       <p:sp>
         <p:nvSpPr>
-          <p:cNvPr id="6" name="Rechteck 5"/>
+          <p:cNvPr id="8" name="Inhaltsplatzhalter 2"/>
+          <p:cNvSpPr txBox="1">
+            <a:spLocks/>
+          </p:cNvSpPr>
+          <p:nvPr/>
+        </p:nvSpPr>
+        <p:spPr bwMode="auto">
+          <a:xfrm>
+            <a:off x="487552" y="1044005"/>
+            <a:ext cx="8784976" cy="5257105"/>
+          </a:xfrm>
+          <a:prstGeom prst="rect">
+            <a:avLst/>
+          </a:prstGeom>
+          <a:noFill/>
+          <a:ln w="9525">
+            <a:noFill/>
+            <a:miter lim="800000"/>
+            <a:headEnd/>
+            <a:tailEnd/>
+          </a:ln>
+        </p:spPr>
+        <p:txBody>
+          <a:bodyPr vert="horz" wrap="square" lIns="0" tIns="45720" rIns="0" bIns="45720" numCol="1" anchor="t" anchorCtr="0" compatLnSpc="1">
+            <a:prstTxWarp prst="textNoShape">
+              <a:avLst/>
+            </a:prstTxWarp>
+          </a:bodyPr>
+          <a:lstStyle/>
+          <a:p>
+            <a:pPr marL="342900" lvl="0" indent="-342900">
+              <a:spcBef>
+                <a:spcPct val="20000"/>
+              </a:spcBef>
+              <a:buClr>
+                <a:srgbClr val="FF0000"/>
+              </a:buClr>
+              <a:buFont typeface="Wingdings" panose="05000000000000000000" pitchFamily="2" charset="2"/>
+              <a:buChar char="§"/>
+              <a:defRPr/>
+            </a:pPr>
+            <a:r>
+              <a:rPr lang="de-AT" sz="2400" b="1" dirty="0" smtClean="0">
+                <a:solidFill>
+                  <a:schemeClr val="bg1"/>
+                </a:solidFill>
+                <a:latin typeface="Calibri" panose="020F0502020204030204" pitchFamily="34" charset="0"/>
+              </a:rPr>
+              <a:t>Fast alle</a:t>
+            </a:r>
+            <a:r>
+              <a:rPr lang="de-AT" sz="2400" b="1" dirty="0" smtClean="0">
+                <a:solidFill>
+                  <a:schemeClr val="bg1"/>
+                </a:solidFill>
+                <a:latin typeface="Calibri" panose="020F0502020204030204" pitchFamily="34" charset="0"/>
+              </a:rPr>
+              <a:t> Funktionalitäten  / Anforderungen abgedeckt</a:t>
+            </a:r>
+          </a:p>
+          <a:p>
+            <a:pPr marL="800100" lvl="1" indent="-342900">
+              <a:spcBef>
+                <a:spcPct val="20000"/>
+              </a:spcBef>
+              <a:buClr>
+                <a:srgbClr val="FF0000"/>
+              </a:buClr>
+              <a:buFont typeface="Wingdings" panose="05000000000000000000" pitchFamily="2" charset="2"/>
+              <a:buChar char="ü"/>
+              <a:defRPr/>
+            </a:pPr>
+            <a:endParaRPr lang="de-AT" sz="2000" dirty="0" smtClean="0">
+              <a:solidFill>
+                <a:schemeClr val="bg1"/>
+              </a:solidFill>
+              <a:latin typeface="Calibri" panose="020F0502020204030204" pitchFamily="34" charset="0"/>
+            </a:endParaRPr>
+          </a:p>
+          <a:p>
+            <a:pPr marL="342900" indent="-342900">
+              <a:spcBef>
+                <a:spcPct val="20000"/>
+              </a:spcBef>
+              <a:buClr>
+                <a:srgbClr val="FF0000"/>
+              </a:buClr>
+              <a:buFont typeface="Wingdings" panose="05000000000000000000" pitchFamily="2" charset="2"/>
+              <a:buChar char="§"/>
+              <a:defRPr/>
+            </a:pPr>
+            <a:endParaRPr lang="de-AT" sz="2000" b="1" dirty="0">
+              <a:solidFill>
+                <a:schemeClr val="bg1"/>
+              </a:solidFill>
+              <a:latin typeface="Calibri" panose="020F0502020204030204" pitchFamily="34" charset="0"/>
+            </a:endParaRPr>
+          </a:p>
+          <a:p>
+            <a:pPr marL="342900" indent="-342900">
+              <a:spcBef>
+                <a:spcPct val="20000"/>
+              </a:spcBef>
+              <a:buClr>
+                <a:srgbClr val="FF0000"/>
+              </a:buClr>
+              <a:buFont typeface="Wingdings" panose="05000000000000000000" pitchFamily="2" charset="2"/>
+              <a:buChar char="§"/>
+              <a:defRPr/>
+            </a:pPr>
+            <a:endParaRPr lang="de-AT" sz="2000" b="1" dirty="0" smtClean="0">
+              <a:solidFill>
+                <a:schemeClr val="bg1"/>
+              </a:solidFill>
+              <a:latin typeface="Calibri" panose="020F0502020204030204" pitchFamily="34" charset="0"/>
+            </a:endParaRPr>
+          </a:p>
+          <a:p>
+            <a:pPr marL="342900" indent="-342900">
+              <a:spcBef>
+                <a:spcPct val="20000"/>
+              </a:spcBef>
+              <a:buClr>
+                <a:srgbClr val="FF0000"/>
+              </a:buClr>
+              <a:buFont typeface="Wingdings" panose="05000000000000000000" pitchFamily="2" charset="2"/>
+              <a:buChar char="§"/>
+              <a:defRPr/>
+            </a:pPr>
+            <a:endParaRPr lang="de-AT" sz="2000" b="1" dirty="0">
+              <a:solidFill>
+                <a:schemeClr val="bg1"/>
+              </a:solidFill>
+              <a:latin typeface="Calibri" panose="020F0502020204030204" pitchFamily="34" charset="0"/>
+            </a:endParaRPr>
+          </a:p>
+          <a:p>
+            <a:pPr marL="342900" indent="-342900">
+              <a:spcBef>
+                <a:spcPct val="20000"/>
+              </a:spcBef>
+              <a:buClr>
+                <a:srgbClr val="FF0000"/>
+              </a:buClr>
+              <a:buFont typeface="Wingdings" panose="05000000000000000000" pitchFamily="2" charset="2"/>
+              <a:buChar char="§"/>
+              <a:defRPr/>
+            </a:pPr>
+            <a:endParaRPr lang="de-AT" sz="2000" b="1" dirty="0" smtClean="0">
+              <a:solidFill>
+                <a:schemeClr val="bg1"/>
+              </a:solidFill>
+              <a:latin typeface="Calibri" panose="020F0502020204030204" pitchFamily="34" charset="0"/>
+            </a:endParaRPr>
+          </a:p>
+          <a:p>
+            <a:pPr marL="342900" indent="-342900">
+              <a:spcBef>
+                <a:spcPct val="20000"/>
+              </a:spcBef>
+              <a:buClr>
+                <a:srgbClr val="FF0000"/>
+              </a:buClr>
+              <a:buFont typeface="Wingdings" panose="05000000000000000000" pitchFamily="2" charset="2"/>
+              <a:buChar char="§"/>
+              <a:defRPr/>
+            </a:pPr>
+            <a:endParaRPr lang="de-AT" sz="2000" b="1" dirty="0">
+              <a:solidFill>
+                <a:schemeClr val="bg1"/>
+              </a:solidFill>
+              <a:latin typeface="Calibri" panose="020F0502020204030204" pitchFamily="34" charset="0"/>
+            </a:endParaRPr>
+          </a:p>
+          <a:p>
+            <a:pPr marL="342900" indent="-342900">
+              <a:spcBef>
+                <a:spcPct val="20000"/>
+              </a:spcBef>
+              <a:buClr>
+                <a:srgbClr val="FF0000"/>
+              </a:buClr>
+              <a:buFont typeface="Wingdings" panose="05000000000000000000" pitchFamily="2" charset="2"/>
+              <a:buChar char="§"/>
+              <a:defRPr/>
+            </a:pPr>
+            <a:endParaRPr lang="de-AT" sz="2000" b="1" dirty="0" smtClean="0">
+              <a:solidFill>
+                <a:schemeClr val="bg1"/>
+              </a:solidFill>
+              <a:latin typeface="Calibri" panose="020F0502020204030204" pitchFamily="34" charset="0"/>
+            </a:endParaRPr>
+          </a:p>
+          <a:p>
+            <a:pPr marL="342900" indent="-342900">
+              <a:spcBef>
+                <a:spcPct val="20000"/>
+              </a:spcBef>
+              <a:buClr>
+                <a:srgbClr val="FF0000"/>
+              </a:buClr>
+              <a:buFont typeface="Wingdings" panose="05000000000000000000" pitchFamily="2" charset="2"/>
+              <a:buChar char="§"/>
+              <a:defRPr/>
+            </a:pPr>
+            <a:r>
+              <a:rPr lang="de-AT" sz="2400" b="1" dirty="0" smtClean="0">
+                <a:solidFill>
+                  <a:schemeClr val="bg1"/>
+                </a:solidFill>
+                <a:latin typeface="Calibri" panose="020F0502020204030204" pitchFamily="34" charset="0"/>
+              </a:rPr>
+              <a:t>Abweichungen</a:t>
+            </a:r>
+          </a:p>
+          <a:p>
+            <a:pPr marL="800100" lvl="1" indent="-342900">
+              <a:spcBef>
+                <a:spcPct val="20000"/>
+              </a:spcBef>
+              <a:buClr>
+                <a:srgbClr val="FF0000"/>
+              </a:buClr>
+              <a:buFont typeface="Wingdings" panose="05000000000000000000" pitchFamily="2" charset="2"/>
+              <a:buChar char="ü"/>
+              <a:defRPr/>
+            </a:pPr>
+            <a:r>
+              <a:rPr lang="de-AT" sz="2000" dirty="0">
+                <a:solidFill>
+                  <a:schemeClr val="bg1"/>
+                </a:solidFill>
+                <a:latin typeface="Calibri" panose="020F0502020204030204" pitchFamily="34" charset="0"/>
+              </a:rPr>
+              <a:t>Admin: keine </a:t>
+            </a:r>
+            <a:r>
+              <a:rPr lang="de-AT" sz="2000" dirty="0" smtClean="0">
+                <a:solidFill>
+                  <a:schemeClr val="bg1"/>
+                </a:solidFill>
+                <a:latin typeface="Calibri" panose="020F0502020204030204" pitchFamily="34" charset="0"/>
+              </a:rPr>
+              <a:t>Rechteverwaltung, kann User nicht anschauen</a:t>
+            </a:r>
+          </a:p>
+          <a:p>
+            <a:pPr marL="800100" lvl="1" indent="-342900">
+              <a:spcBef>
+                <a:spcPct val="20000"/>
+              </a:spcBef>
+              <a:buClr>
+                <a:srgbClr val="FF0000"/>
+              </a:buClr>
+              <a:buFont typeface="Wingdings" panose="05000000000000000000" pitchFamily="2" charset="2"/>
+              <a:buChar char="ü"/>
+              <a:defRPr/>
+            </a:pPr>
+            <a:r>
+              <a:rPr lang="de-AT" sz="2000" dirty="0" smtClean="0">
+                <a:solidFill>
+                  <a:schemeClr val="bg1"/>
+                </a:solidFill>
+                <a:latin typeface="Calibri" panose="020F0502020204030204" pitchFamily="34" charset="0"/>
+              </a:rPr>
+              <a:t>Keine Pinnwandsuche</a:t>
+            </a:r>
+            <a:endParaRPr lang="de-AT" sz="2000" dirty="0">
+              <a:solidFill>
+                <a:schemeClr val="bg1"/>
+              </a:solidFill>
+              <a:latin typeface="Calibri" panose="020F0502020204030204" pitchFamily="34" charset="0"/>
+            </a:endParaRPr>
+          </a:p>
+          <a:p>
+            <a:pPr marL="800100" lvl="1" indent="-342900">
+              <a:spcBef>
+                <a:spcPct val="20000"/>
+              </a:spcBef>
+              <a:buClr>
+                <a:srgbClr val="FF0000"/>
+              </a:buClr>
+              <a:buFont typeface="Wingdings" panose="05000000000000000000" pitchFamily="2" charset="2"/>
+              <a:buChar char="ü"/>
+              <a:defRPr/>
+            </a:pPr>
+            <a:r>
+              <a:rPr lang="de-AT" sz="2000" dirty="0" smtClean="0">
+                <a:solidFill>
+                  <a:schemeClr val="bg1"/>
+                </a:solidFill>
+                <a:latin typeface="Calibri" panose="020F0502020204030204" pitchFamily="34" charset="0"/>
+              </a:rPr>
+              <a:t>Grafische Umsetzung</a:t>
+            </a:r>
+          </a:p>
+          <a:p>
+            <a:pPr marL="800100" lvl="1" indent="-342900">
+              <a:spcBef>
+                <a:spcPct val="20000"/>
+              </a:spcBef>
+              <a:buClr>
+                <a:srgbClr val="FF0000"/>
+              </a:buClr>
+              <a:buFont typeface="Wingdings" panose="05000000000000000000" pitchFamily="2" charset="2"/>
+              <a:buChar char="ü"/>
+              <a:defRPr/>
+            </a:pPr>
+            <a:r>
+              <a:rPr lang="de-AT" sz="2000" dirty="0" smtClean="0">
+                <a:solidFill>
+                  <a:schemeClr val="bg1"/>
+                </a:solidFill>
+                <a:latin typeface="Calibri" panose="020F0502020204030204" pitchFamily="34" charset="0"/>
+              </a:rPr>
+              <a:t>Short Cuts bei Funktionalitäten (Sichtbarkeit, Gruppen, Admin)</a:t>
+            </a:r>
+          </a:p>
+          <a:p>
+            <a:pPr marL="800100" lvl="1" indent="-342900">
+              <a:spcBef>
+                <a:spcPct val="20000"/>
+              </a:spcBef>
+              <a:buClr>
+                <a:srgbClr val="FF0000"/>
+              </a:buClr>
+              <a:buFont typeface="Wingdings" panose="05000000000000000000" pitchFamily="2" charset="2"/>
+              <a:buChar char="ü"/>
+              <a:defRPr/>
+            </a:pPr>
+            <a:r>
+              <a:rPr lang="de-AT" sz="2000" dirty="0" smtClean="0">
+                <a:solidFill>
+                  <a:schemeClr val="bg1"/>
+                </a:solidFill>
+                <a:latin typeface="Calibri" panose="020F0502020204030204" pitchFamily="34" charset="0"/>
+              </a:rPr>
+              <a:t>Statistiken nicht sehr ambitioniert</a:t>
+            </a:r>
+          </a:p>
+        </p:txBody>
+      </p:sp>
+      <p:sp>
+        <p:nvSpPr>
+          <p:cNvPr id="9" name="Rechteck 8"/>
           <p:cNvSpPr/>
           <p:nvPr/>
         </p:nvSpPr>
         <p:spPr>
           <a:xfrm>
-            <a:off x="3774582" y="2958603"/>
-            <a:ext cx="5010146" cy="923330"/>
+            <a:off x="3960192" y="4902761"/>
+            <a:ext cx="6840760" cy="646331"/>
           </a:xfrm>
           <a:prstGeom prst="rect">
             <a:avLst/>
@@ -6364,7 +7488,7 @@
           <a:p>
             <a:pPr algn="ctr"/>
             <a:r>
-              <a:rPr lang="de-DE" sz="5400" b="1" cap="none" spc="0" dirty="0" smtClean="0">
+              <a:rPr lang="de-DE" sz="3600" b="1" cap="none" spc="0" dirty="0" smtClean="0">
                 <a:ln w="9525">
                   <a:solidFill>
                     <a:schemeClr val="bg1"/>
@@ -6382,9 +7506,9 @@
                   </a:outerShdw>
                 </a:effectLst>
               </a:rPr>
-              <a:t>OFFEN</a:t>
-            </a:r>
-            <a:endParaRPr lang="de-DE" sz="5400" b="1" cap="none" spc="0" dirty="0">
+              <a:t>Fertigstellen / diskutieren</a:t>
+            </a:r>
+            <a:endParaRPr lang="de-DE" sz="3600" b="1" cap="none" spc="0" dirty="0">
               <a:ln w="9525">
                 <a:solidFill>
                   <a:schemeClr val="bg1"/>
@@ -6402,6 +7526,197 @@
                 </a:outerShdw>
               </a:effectLst>
             </a:endParaRPr>
+          </a:p>
+        </p:txBody>
+      </p:sp>
+      <p:grpSp>
+        <p:nvGrpSpPr>
+          <p:cNvPr id="14" name="Gruppieren 13"/>
+          <p:cNvGrpSpPr/>
+          <p:nvPr/>
+        </p:nvGrpSpPr>
+        <p:grpSpPr>
+          <a:xfrm>
+            <a:off x="5610097" y="1704999"/>
+            <a:ext cx="4290185" cy="2591058"/>
+            <a:chOff x="822135" y="1621299"/>
+            <a:chExt cx="4290185" cy="2591058"/>
+          </a:xfrm>
+        </p:grpSpPr>
+        <p:pic>
+          <p:nvPicPr>
+            <p:cNvPr id="11" name="Picture 3" descr="Basislayout"/>
+            <p:cNvPicPr>
+              <a:picLocks noChangeAspect="1" noChangeArrowheads="1"/>
+            </p:cNvPicPr>
+            <p:nvPr/>
+          </p:nvPicPr>
+          <p:blipFill>
+            <a:blip r:embed="rId3">
+              <a:extLst>
+                <a:ext uri="{28A0092B-C50C-407E-A947-70E740481C1C}">
+                  <a14:useLocalDpi xmlns:a14="http://schemas.microsoft.com/office/drawing/2010/main" val="0"/>
+                </a:ext>
+              </a:extLst>
+            </a:blip>
+            <a:srcRect/>
+            <a:stretch>
+              <a:fillRect/>
+            </a:stretch>
+          </p:blipFill>
+          <p:spPr bwMode="auto">
+            <a:xfrm>
+              <a:off x="822135" y="1621299"/>
+              <a:ext cx="4103798" cy="2420189"/>
+            </a:xfrm>
+            <a:prstGeom prst="rect">
+              <a:avLst/>
+            </a:prstGeom>
+            <a:noFill/>
+            <a:ln>
+              <a:noFill/>
+            </a:ln>
+            <a:extLst>
+              <a:ext uri="{909E8E84-426E-40dd-AFC4-6F175D3DCCD1}">
+                <a14:hiddenFill xmlns:a14="http://schemas.microsoft.com/office/drawing/2010/main" xmlns="">
+                  <a:solidFill>
+                    <a:srgbClr val="FFFFFF"/>
+                  </a:solidFill>
+                </a14:hiddenFill>
+              </a:ext>
+              <a:ext uri="{91240B29-F687-4f45-9708-019B960494DF}">
+                <a14:hiddenLine xmlns:a14="http://schemas.microsoft.com/office/drawing/2010/main" xmlns="" w="9525">
+                  <a:solidFill>
+                    <a:srgbClr val="000000"/>
+                  </a:solidFill>
+                  <a:miter lim="800000"/>
+                  <a:headEnd/>
+                  <a:tailEnd/>
+                </a14:hiddenLine>
+              </a:ext>
+            </a:extLst>
+          </p:spPr>
+        </p:pic>
+        <p:sp>
+          <p:nvSpPr>
+            <p:cNvPr id="4" name="Ellipse 3"/>
+            <p:cNvSpPr/>
+            <p:nvPr/>
+          </p:nvSpPr>
+          <p:spPr>
+            <a:xfrm>
+              <a:off x="3816176" y="1908101"/>
+              <a:ext cx="1296144" cy="2304256"/>
+            </a:xfrm>
+            <a:prstGeom prst="ellipse">
+              <a:avLst/>
+            </a:prstGeom>
+            <a:noFill/>
+            <a:ln>
+              <a:solidFill>
+                <a:srgbClr val="FF0000"/>
+              </a:solidFill>
+            </a:ln>
+          </p:spPr>
+          <p:style>
+            <a:lnRef idx="2">
+              <a:schemeClr val="accent1">
+                <a:shade val="50000"/>
+              </a:schemeClr>
+            </a:lnRef>
+            <a:fillRef idx="1">
+              <a:schemeClr val="accent1"/>
+            </a:fillRef>
+            <a:effectRef idx="0">
+              <a:schemeClr val="accent1"/>
+            </a:effectRef>
+            <a:fontRef idx="minor">
+              <a:schemeClr val="lt1"/>
+            </a:fontRef>
+          </p:style>
+          <p:txBody>
+            <a:bodyPr rtlCol="0" anchor="ctr"/>
+            <a:lstStyle/>
+            <a:p>
+              <a:pPr algn="ctr"/>
+              <a:endParaRPr lang="de-AT"/>
+            </a:p>
+          </p:txBody>
+        </p:sp>
+      </p:grpSp>
+      <p:sp>
+        <p:nvSpPr>
+          <p:cNvPr id="13" name="Wolke 12"/>
+          <p:cNvSpPr/>
+          <p:nvPr/>
+        </p:nvSpPr>
+        <p:spPr>
+          <a:xfrm>
+            <a:off x="647824" y="1712809"/>
+            <a:ext cx="4572831" cy="2130604"/>
+          </a:xfrm>
+          <a:prstGeom prst="cloud">
+            <a:avLst/>
+          </a:prstGeom>
+        </p:spPr>
+        <p:style>
+          <a:lnRef idx="2">
+            <a:schemeClr val="accent1">
+              <a:shade val="50000"/>
+            </a:schemeClr>
+          </a:lnRef>
+          <a:fillRef idx="1">
+            <a:schemeClr val="accent1"/>
+          </a:fillRef>
+          <a:effectRef idx="0">
+            <a:schemeClr val="accent1"/>
+          </a:effectRef>
+          <a:fontRef idx="minor">
+            <a:schemeClr val="lt1"/>
+          </a:fontRef>
+        </p:style>
+        <p:txBody>
+          <a:bodyPr rtlCol="0" anchor="ctr"/>
+          <a:lstStyle/>
+          <a:p>
+            <a:pPr marL="285750" indent="-285750">
+              <a:buFont typeface="Arial" panose="020B0604020202020204" pitchFamily="34" charset="0"/>
+              <a:buChar char="•"/>
+            </a:pPr>
+            <a:r>
+              <a:rPr lang="de-AT" b="1" i="1" dirty="0" smtClean="0"/>
+              <a:t>Information teilen</a:t>
+            </a:r>
+          </a:p>
+          <a:p>
+            <a:pPr marL="285750" indent="-285750">
+              <a:buFont typeface="Arial" panose="020B0604020202020204" pitchFamily="34" charset="0"/>
+              <a:buChar char="•"/>
+            </a:pPr>
+            <a:r>
+              <a:rPr lang="de-AT" b="1" i="1" dirty="0" smtClean="0"/>
+              <a:t>Sichtbarkeit festlegen</a:t>
+            </a:r>
+          </a:p>
+          <a:p>
+            <a:pPr marL="285750" indent="-285750">
+              <a:buFont typeface="Arial" panose="020B0604020202020204" pitchFamily="34" charset="0"/>
+              <a:buChar char="•"/>
+            </a:pPr>
+            <a:r>
+              <a:rPr lang="de-AT" b="1" i="1" dirty="0" smtClean="0"/>
+              <a:t>User / Beiträge sperren</a:t>
+            </a:r>
+          </a:p>
+          <a:p>
+            <a:pPr marL="285750" indent="-285750">
+              <a:buFont typeface="Arial" panose="020B0604020202020204" pitchFamily="34" charset="0"/>
+              <a:buChar char="•"/>
+            </a:pPr>
+            <a:r>
+              <a:rPr lang="de-AT" b="1" i="1" dirty="0" smtClean="0"/>
+              <a:t>Statistik auswerten</a:t>
+            </a:r>
           </a:p>
         </p:txBody>
       </p:sp>
@@ -6435,30 +7750,6 @@
           <a:chExt cx="0" cy="0"/>
         </a:xfrm>
       </p:grpSpPr>
-      <p:pic>
-        <p:nvPicPr>
-          <p:cNvPr id="2" name="Grafik 1"/>
-          <p:cNvPicPr>
-            <a:picLocks noChangeAspect="1"/>
-          </p:cNvPicPr>
-          <p:nvPr/>
-        </p:nvPicPr>
-        <p:blipFill>
-          <a:blip r:embed="rId3"/>
-          <a:stretch>
-            <a:fillRect/>
-          </a:stretch>
-        </p:blipFill>
-        <p:spPr>
-          <a:xfrm>
-            <a:off x="1151880" y="1188021"/>
-            <a:ext cx="8076944" cy="5127498"/>
-          </a:xfrm>
-          <a:prstGeom prst="rect">
-            <a:avLst/>
-          </a:prstGeom>
-        </p:spPr>
-      </p:pic>
       <p:sp>
         <p:nvSpPr>
           <p:cNvPr id="10" name="Foliennummernplatzhalter 3"/>
@@ -6523,7 +7814,7 @@
       </p:sp>
       <p:sp>
         <p:nvSpPr>
-          <p:cNvPr id="8" name="Text Box 12"/>
+          <p:cNvPr id="5" name="Text Box 12"/>
           <p:cNvSpPr txBox="1">
             <a:spLocks noChangeArrowheads="1"/>
           </p:cNvSpPr>
@@ -6532,7 +7823,7 @@
         <p:spPr bwMode="auto">
           <a:xfrm>
             <a:off x="863848" y="251917"/>
-            <a:ext cx="5760640" cy="699828"/>
+            <a:ext cx="5688632" cy="699828"/>
           </a:xfrm>
           <a:prstGeom prst="rect">
             <a:avLst/>
@@ -6570,7 +7861,71 @@
                 </a:effectLst>
                 <a:latin typeface="Calibri" panose="020F0502020204030204" pitchFamily="34" charset="0"/>
               </a:rPr>
-              <a:t>DANKE FÜR EURE AUFMERKSAMKEIT</a:t>
+              <a:t>Other </a:t>
+            </a:r>
+            <a:r>
+              <a:rPr lang="de-DE" sz="2800" b="1" dirty="0" err="1" smtClean="0">
+                <a:solidFill>
+                  <a:schemeClr val="tx1"/>
+                </a:solidFill>
+                <a:effectLst>
+                  <a:outerShdw blurRad="38100" dist="38100" dir="2700000" algn="tl">
+                    <a:srgbClr val="000000">
+                      <a:alpha val="43137"/>
+                    </a:srgbClr>
+                  </a:outerShdw>
+                </a:effectLst>
+                <a:latin typeface="Calibri" panose="020F0502020204030204" pitchFamily="34" charset="0"/>
+              </a:rPr>
+              <a:t>Lessons</a:t>
+            </a:r>
+            <a:r>
+              <a:rPr lang="de-DE" sz="2800" b="1" dirty="0" smtClean="0">
+                <a:solidFill>
+                  <a:schemeClr val="tx1"/>
+                </a:solidFill>
+                <a:effectLst>
+                  <a:outerShdw blurRad="38100" dist="38100" dir="2700000" algn="tl">
+                    <a:srgbClr val="000000">
+                      <a:alpha val="43137"/>
+                    </a:srgbClr>
+                  </a:outerShdw>
+                </a:effectLst>
+                <a:latin typeface="Calibri" panose="020F0502020204030204" pitchFamily="34" charset="0"/>
+              </a:rPr>
+              <a:t> </a:t>
+            </a:r>
+            <a:r>
+              <a:rPr lang="de-DE" sz="2800" b="1" dirty="0" err="1" smtClean="0">
+                <a:solidFill>
+                  <a:schemeClr val="tx1"/>
+                </a:solidFill>
+                <a:effectLst>
+                  <a:outerShdw blurRad="38100" dist="38100" dir="2700000" algn="tl">
+                    <a:srgbClr val="000000">
+                      <a:alpha val="43137"/>
+                    </a:srgbClr>
+                  </a:outerShdw>
+                </a:effectLst>
+                <a:latin typeface="Calibri" panose="020F0502020204030204" pitchFamily="34" charset="0"/>
+              </a:rPr>
+              <a:t>Learned</a:t>
+            </a:r>
+            <a:r>
+              <a:rPr lang="de-DE" sz="2800" b="1" dirty="0" smtClean="0">
+                <a:solidFill>
+                  <a:schemeClr val="tx1"/>
+                </a:solidFill>
+                <a:effectLst>
+                  <a:outerShdw blurRad="38100" dist="38100" dir="2700000" algn="tl">
+                    <a:srgbClr val="000000">
+                      <a:alpha val="43137"/>
+                    </a:srgbClr>
+                  </a:outerShdw>
+                </a:effectLst>
+                <a:latin typeface="Calibri" panose="020F0502020204030204" pitchFamily="34" charset="0"/>
+              </a:rPr>
+              <a:t> - Feedback</a:t>
             </a:r>
             <a:endParaRPr lang="de-DE" sz="2800" b="1" dirty="0">
               <a:solidFill>
@@ -6588,10 +7943,481 @@
           </a:p>
         </p:txBody>
       </p:sp>
+      <p:sp>
+        <p:nvSpPr>
+          <p:cNvPr id="8" name="Inhaltsplatzhalter 2"/>
+          <p:cNvSpPr txBox="1">
+            <a:spLocks/>
+          </p:cNvSpPr>
+          <p:nvPr/>
+        </p:nvSpPr>
+        <p:spPr bwMode="auto">
+          <a:xfrm>
+            <a:off x="503808" y="951745"/>
+            <a:ext cx="8784976" cy="5257105"/>
+          </a:xfrm>
+          <a:prstGeom prst="rect">
+            <a:avLst/>
+          </a:prstGeom>
+          <a:noFill/>
+          <a:ln w="9525">
+            <a:noFill/>
+            <a:miter lim="800000"/>
+            <a:headEnd/>
+            <a:tailEnd/>
+          </a:ln>
+        </p:spPr>
+        <p:txBody>
+          <a:bodyPr vert="horz" wrap="square" lIns="0" tIns="45720" rIns="0" bIns="45720" numCol="1" anchor="t" anchorCtr="0" compatLnSpc="1">
+            <a:prstTxWarp prst="textNoShape">
+              <a:avLst/>
+            </a:prstTxWarp>
+          </a:bodyPr>
+          <a:lstStyle/>
+          <a:p>
+            <a:pPr marL="342900" lvl="0" indent="-342900">
+              <a:spcBef>
+                <a:spcPct val="20000"/>
+              </a:spcBef>
+              <a:buClr>
+                <a:srgbClr val="FF0000"/>
+              </a:buClr>
+              <a:buFont typeface="Wingdings" panose="05000000000000000000" pitchFamily="2" charset="2"/>
+              <a:buChar char="§"/>
+              <a:defRPr/>
+            </a:pPr>
+            <a:r>
+              <a:rPr lang="de-AT" sz="2400" b="1" dirty="0" smtClean="0">
+                <a:solidFill>
+                  <a:schemeClr val="bg1"/>
+                </a:solidFill>
+                <a:latin typeface="Calibri" panose="020F0502020204030204" pitchFamily="34" charset="0"/>
+              </a:rPr>
+              <a:t>Team</a:t>
+            </a:r>
+          </a:p>
+          <a:p>
+            <a:pPr marL="800100" lvl="1" indent="-342900">
+              <a:spcBef>
+                <a:spcPct val="20000"/>
+              </a:spcBef>
+              <a:buClr>
+                <a:srgbClr val="FF0000"/>
+              </a:buClr>
+              <a:buFont typeface="Wingdings" panose="05000000000000000000" pitchFamily="2" charset="2"/>
+              <a:buChar char="ü"/>
+              <a:defRPr/>
+            </a:pPr>
+            <a:r>
+              <a:rPr lang="de-AT" sz="2000" dirty="0" smtClean="0">
+                <a:solidFill>
+                  <a:schemeClr val="bg1"/>
+                </a:solidFill>
+                <a:latin typeface="Calibri" panose="020F0502020204030204" pitchFamily="34" charset="0"/>
+              </a:rPr>
+              <a:t>Es benötigt Teammitglied, das sich auskennt</a:t>
+            </a:r>
+          </a:p>
+          <a:p>
+            <a:pPr marL="800100" lvl="1" indent="-342900">
+              <a:spcBef>
+                <a:spcPct val="20000"/>
+              </a:spcBef>
+              <a:buClr>
+                <a:srgbClr val="FF0000"/>
+              </a:buClr>
+              <a:buFont typeface="Wingdings" panose="05000000000000000000" pitchFamily="2" charset="2"/>
+              <a:buChar char="ü"/>
+              <a:defRPr/>
+            </a:pPr>
+            <a:r>
+              <a:rPr lang="de-AT" sz="2000" dirty="0" smtClean="0">
+                <a:solidFill>
+                  <a:schemeClr val="bg1"/>
+                </a:solidFill>
+                <a:latin typeface="Calibri" panose="020F0502020204030204" pitchFamily="34" charset="0"/>
+              </a:rPr>
+              <a:t>Richtige Arbeitsteilung schwer möglich – Strukturvorgabe / Beispiele &amp; Nacharbeiten</a:t>
+            </a:r>
+          </a:p>
+          <a:p>
+            <a:pPr marL="800100" lvl="1" indent="-342900">
+              <a:spcBef>
+                <a:spcPct val="20000"/>
+              </a:spcBef>
+              <a:buClr>
+                <a:srgbClr val="FF0000"/>
+              </a:buClr>
+              <a:buFont typeface="Wingdings" panose="05000000000000000000" pitchFamily="2" charset="2"/>
+              <a:buChar char="ü"/>
+              <a:defRPr/>
+            </a:pPr>
+            <a:r>
+              <a:rPr lang="de-AT" sz="2000" dirty="0" smtClean="0">
+                <a:solidFill>
+                  <a:schemeClr val="bg1"/>
+                </a:solidFill>
+                <a:latin typeface="Calibri" panose="020F0502020204030204" pitchFamily="34" charset="0"/>
+              </a:rPr>
+              <a:t>Die Stärke von GITs haben wir (noch nicht) verstanden</a:t>
+            </a:r>
+          </a:p>
+          <a:p>
+            <a:pPr marL="800100" lvl="1" indent="-342900">
+              <a:spcBef>
+                <a:spcPct val="20000"/>
+              </a:spcBef>
+              <a:buClr>
+                <a:srgbClr val="FF0000"/>
+              </a:buClr>
+              <a:buFont typeface="Wingdings" panose="05000000000000000000" pitchFamily="2" charset="2"/>
+              <a:buChar char="ü"/>
+              <a:defRPr/>
+            </a:pPr>
+            <a:r>
+              <a:rPr lang="de-AT" sz="2000" dirty="0" smtClean="0">
+                <a:solidFill>
+                  <a:schemeClr val="bg1"/>
+                </a:solidFill>
+                <a:latin typeface="Calibri" panose="020F0502020204030204" pitchFamily="34" charset="0"/>
+              </a:rPr>
+              <a:t>Generell sind wir mit dem Ergebnis / der Lernerfahrung zufrieden</a:t>
+            </a:r>
+          </a:p>
+          <a:p>
+            <a:pPr marL="342900" lvl="0" indent="-342900">
+              <a:spcBef>
+                <a:spcPct val="20000"/>
+              </a:spcBef>
+              <a:buClr>
+                <a:srgbClr val="FF0000"/>
+              </a:buClr>
+              <a:buFont typeface="Wingdings" panose="05000000000000000000" pitchFamily="2" charset="2"/>
+              <a:buChar char="§"/>
+              <a:defRPr/>
+            </a:pPr>
+            <a:r>
+              <a:rPr lang="de-AT" sz="2400" b="1" dirty="0" smtClean="0">
+                <a:solidFill>
+                  <a:schemeClr val="bg1"/>
+                </a:solidFill>
+                <a:latin typeface="Calibri" panose="020F0502020204030204" pitchFamily="34" charset="0"/>
+              </a:rPr>
+              <a:t>Einzelabgabe sehr gut / wichtig</a:t>
+            </a:r>
+            <a:endParaRPr lang="de-AT" sz="2400" b="1" dirty="0" smtClean="0">
+              <a:solidFill>
+                <a:schemeClr val="bg1"/>
+              </a:solidFill>
+              <a:latin typeface="Calibri" panose="020F0502020204030204" pitchFamily="34" charset="0"/>
+            </a:endParaRPr>
+          </a:p>
+          <a:p>
+            <a:pPr marL="342900" indent="-342900">
+              <a:spcBef>
+                <a:spcPct val="20000"/>
+              </a:spcBef>
+              <a:buClr>
+                <a:srgbClr val="FF0000"/>
+              </a:buClr>
+              <a:buFont typeface="Wingdings" panose="05000000000000000000" pitchFamily="2" charset="2"/>
+              <a:buChar char="§"/>
+              <a:defRPr/>
+            </a:pPr>
+            <a:r>
+              <a:rPr lang="de-AT" sz="2400" b="1" dirty="0" smtClean="0">
+                <a:solidFill>
+                  <a:schemeClr val="bg1"/>
+                </a:solidFill>
+                <a:latin typeface="Calibri" panose="020F0502020204030204" pitchFamily="34" charset="0"/>
+              </a:rPr>
+              <a:t>Tutorien</a:t>
+            </a:r>
+          </a:p>
+          <a:p>
+            <a:pPr marL="800100" lvl="1" indent="-342900">
+              <a:spcBef>
+                <a:spcPct val="20000"/>
+              </a:spcBef>
+              <a:buClr>
+                <a:srgbClr val="FF0000"/>
+              </a:buClr>
+              <a:buFont typeface="Wingdings" panose="05000000000000000000" pitchFamily="2" charset="2"/>
+              <a:buChar char="ü"/>
+              <a:defRPr/>
+            </a:pPr>
+            <a:r>
+              <a:rPr lang="de-AT" sz="2000" dirty="0" smtClean="0">
+                <a:solidFill>
+                  <a:schemeClr val="bg1"/>
+                </a:solidFill>
+                <a:latin typeface="Calibri" panose="020F0502020204030204" pitchFamily="34" charset="0"/>
+              </a:rPr>
+              <a:t>Installationsanleitungen, </a:t>
+            </a:r>
+            <a:r>
+              <a:rPr lang="de-AT" sz="2000" dirty="0" err="1" smtClean="0">
+                <a:solidFill>
+                  <a:schemeClr val="bg1"/>
+                </a:solidFill>
+                <a:latin typeface="Calibri" panose="020F0502020204030204" pitchFamily="34" charset="0"/>
+              </a:rPr>
+              <a:t>Screencast</a:t>
+            </a:r>
+            <a:r>
+              <a:rPr lang="de-AT" sz="2000" dirty="0" smtClean="0">
+                <a:solidFill>
+                  <a:schemeClr val="bg1"/>
+                </a:solidFill>
+                <a:latin typeface="Calibri" panose="020F0502020204030204" pitchFamily="34" charset="0"/>
+              </a:rPr>
+              <a:t> helfen am meisten (VPP, </a:t>
+            </a:r>
+            <a:r>
+              <a:rPr lang="de-AT" sz="2000" dirty="0" err="1" smtClean="0">
+                <a:solidFill>
+                  <a:schemeClr val="bg1"/>
+                </a:solidFill>
+                <a:latin typeface="Calibri" panose="020F0502020204030204" pitchFamily="34" charset="0"/>
+              </a:rPr>
+              <a:t>Tomcat</a:t>
+            </a:r>
+            <a:r>
+              <a:rPr lang="de-AT" sz="2000" dirty="0" smtClean="0">
+                <a:solidFill>
+                  <a:schemeClr val="bg1"/>
+                </a:solidFill>
+                <a:latin typeface="Calibri" panose="020F0502020204030204" pitchFamily="34" charset="0"/>
+              </a:rPr>
+              <a:t>)</a:t>
+            </a:r>
+          </a:p>
+          <a:p>
+            <a:pPr marL="800100" lvl="1" indent="-342900">
+              <a:spcBef>
+                <a:spcPct val="20000"/>
+              </a:spcBef>
+              <a:buClr>
+                <a:srgbClr val="FF0000"/>
+              </a:buClr>
+              <a:buFont typeface="Wingdings" panose="05000000000000000000" pitchFamily="2" charset="2"/>
+              <a:buChar char="ü"/>
+              <a:defRPr/>
+            </a:pPr>
+            <a:r>
+              <a:rPr lang="de-AT" sz="2000" dirty="0" smtClean="0">
+                <a:solidFill>
+                  <a:schemeClr val="bg1"/>
+                </a:solidFill>
+                <a:latin typeface="Calibri" panose="020F0502020204030204" pitchFamily="34" charset="0"/>
+              </a:rPr>
+              <a:t>Mehr </a:t>
+            </a:r>
+            <a:r>
+              <a:rPr lang="de-AT" sz="2000" dirty="0" err="1" smtClean="0">
+                <a:solidFill>
+                  <a:schemeClr val="bg1"/>
+                </a:solidFill>
+                <a:latin typeface="Calibri" panose="020F0502020204030204" pitchFamily="34" charset="0"/>
+              </a:rPr>
+              <a:t>Sniplets</a:t>
+            </a:r>
+            <a:r>
+              <a:rPr lang="de-AT" sz="2000" dirty="0" smtClean="0">
+                <a:solidFill>
+                  <a:schemeClr val="bg1"/>
+                </a:solidFill>
+                <a:latin typeface="Calibri" panose="020F0502020204030204" pitchFamily="34" charset="0"/>
+              </a:rPr>
+              <a:t> von einfachen, durchgängigen Bespielen wären wünschenswert (vgl. DBS Übungsunterlagen) – vor allem JSP / Servlet</a:t>
+            </a:r>
+            <a:endParaRPr lang="de-AT" sz="2000" dirty="0" smtClean="0">
+              <a:solidFill>
+                <a:schemeClr val="bg1"/>
+              </a:solidFill>
+              <a:latin typeface="Calibri" panose="020F0502020204030204" pitchFamily="34" charset="0"/>
+            </a:endParaRPr>
+          </a:p>
+          <a:p>
+            <a:pPr marL="342900" lvl="0" indent="-342900">
+              <a:spcBef>
+                <a:spcPct val="20000"/>
+              </a:spcBef>
+              <a:buClr>
+                <a:srgbClr val="FF0000"/>
+              </a:buClr>
+              <a:buFont typeface="Wingdings" panose="05000000000000000000" pitchFamily="2" charset="2"/>
+              <a:buChar char="§"/>
+              <a:defRPr/>
+            </a:pPr>
+            <a:r>
+              <a:rPr lang="de-AT" sz="2400" b="1" dirty="0" smtClean="0">
+                <a:solidFill>
+                  <a:schemeClr val="bg1"/>
+                </a:solidFill>
+                <a:latin typeface="Calibri" panose="020F0502020204030204" pitchFamily="34" charset="0"/>
+              </a:rPr>
+              <a:t>Übungsverlauf</a:t>
+            </a:r>
+          </a:p>
+          <a:p>
+            <a:pPr marL="914400" lvl="1" indent="-457200">
+              <a:spcBef>
+                <a:spcPct val="20000"/>
+              </a:spcBef>
+              <a:buClr>
+                <a:srgbClr val="FF0000"/>
+              </a:buClr>
+              <a:buFont typeface="Wingdings" panose="05000000000000000000" pitchFamily="2" charset="2"/>
+              <a:buChar char="ü"/>
+              <a:defRPr/>
+            </a:pPr>
+            <a:r>
+              <a:rPr lang="de-AT" sz="2000" dirty="0" smtClean="0">
+                <a:solidFill>
+                  <a:schemeClr val="bg1"/>
+                </a:solidFill>
+                <a:latin typeface="Calibri" panose="020F0502020204030204" pitchFamily="34" charset="0"/>
+              </a:rPr>
+              <a:t>Permanente Abgaben gut / wichtig</a:t>
+            </a:r>
+          </a:p>
+          <a:p>
+            <a:pPr marL="914400" lvl="1" indent="-457200">
+              <a:spcBef>
+                <a:spcPct val="20000"/>
+              </a:spcBef>
+              <a:buClr>
+                <a:srgbClr val="FF0000"/>
+              </a:buClr>
+              <a:buFont typeface="Wingdings" panose="05000000000000000000" pitchFamily="2" charset="2"/>
+              <a:buChar char="ü"/>
+              <a:defRPr/>
+            </a:pPr>
+            <a:r>
+              <a:rPr lang="de-AT" sz="2000" dirty="0" smtClean="0">
+                <a:solidFill>
+                  <a:schemeClr val="bg1"/>
+                </a:solidFill>
+                <a:latin typeface="Calibri" panose="020F0502020204030204" pitchFamily="34" charset="0"/>
+              </a:rPr>
+              <a:t>Pünktliche Rückmeldungen wünschenswert (Test1, Sequenzdiagramm)</a:t>
+            </a:r>
+          </a:p>
+          <a:p>
+            <a:pPr marL="914400" lvl="1" indent="-457200">
+              <a:spcBef>
+                <a:spcPct val="20000"/>
+              </a:spcBef>
+              <a:buClr>
+                <a:srgbClr val="FF0000"/>
+              </a:buClr>
+              <a:buFont typeface="Wingdings" panose="05000000000000000000" pitchFamily="2" charset="2"/>
+              <a:buChar char="ü"/>
+              <a:defRPr/>
+            </a:pPr>
+            <a:r>
+              <a:rPr lang="de-AT" sz="2000" dirty="0" smtClean="0">
+                <a:solidFill>
+                  <a:schemeClr val="bg1"/>
+                </a:solidFill>
+                <a:latin typeface="Calibri" panose="020F0502020204030204" pitchFamily="34" charset="0"/>
+              </a:rPr>
+              <a:t>Ev. immer nur die Hälfte der Teams präsentieren lassen (abwechselnd)</a:t>
+            </a:r>
+          </a:p>
+          <a:p>
+            <a:pPr marL="914400" lvl="1" indent="-457200">
+              <a:spcBef>
+                <a:spcPct val="20000"/>
+              </a:spcBef>
+              <a:buClr>
+                <a:srgbClr val="FF0000"/>
+              </a:buClr>
+              <a:buFont typeface="Wingdings" panose="05000000000000000000" pitchFamily="2" charset="2"/>
+              <a:buChar char="ü"/>
+              <a:defRPr/>
+            </a:pPr>
+            <a:endParaRPr lang="de-AT" sz="2000" dirty="0" smtClean="0">
+              <a:solidFill>
+                <a:schemeClr val="bg1"/>
+              </a:solidFill>
+              <a:latin typeface="Calibri" panose="020F0502020204030204" pitchFamily="34" charset="0"/>
+            </a:endParaRPr>
+          </a:p>
+        </p:txBody>
+      </p:sp>
+      <p:sp>
+        <p:nvSpPr>
+          <p:cNvPr id="9" name="Rechteck 8"/>
+          <p:cNvSpPr/>
+          <p:nvPr/>
+        </p:nvSpPr>
+        <p:spPr>
+          <a:xfrm>
+            <a:off x="5400352" y="3204245"/>
+            <a:ext cx="7128792" cy="1200329"/>
+          </a:xfrm>
+          <a:prstGeom prst="rect">
+            <a:avLst/>
+          </a:prstGeom>
+          <a:solidFill>
+            <a:srgbClr val="FFFF00"/>
+          </a:solidFill>
+        </p:spPr>
+        <p:txBody>
+          <a:bodyPr wrap="square" lIns="91440" tIns="45720" rIns="91440" bIns="45720">
+            <a:spAutoFit/>
+          </a:bodyPr>
+          <a:lstStyle/>
+          <a:p>
+            <a:pPr algn="ctr"/>
+            <a:r>
+              <a:rPr lang="de-DE" sz="3600" b="1" cap="none" spc="0" dirty="0" smtClean="0">
+                <a:ln w="9525">
+                  <a:solidFill>
+                    <a:schemeClr val="bg1"/>
+                  </a:solidFill>
+                  <a:prstDash val="solid"/>
+                </a:ln>
+                <a:solidFill>
+                  <a:schemeClr val="tx1"/>
+                </a:solidFill>
+                <a:effectLst>
+                  <a:outerShdw blurRad="12700" dist="38100" dir="2700000" algn="tl" rotWithShape="0">
+                    <a:schemeClr val="bg1">
+                      <a:lumMod val="50000"/>
+                    </a:schemeClr>
+                  </a:outerShdw>
+                </a:effectLst>
+              </a:rPr>
+              <a:t>Diskutieren oder ganze Folie weglassen</a:t>
+            </a:r>
+            <a:endParaRPr lang="de-DE" sz="3600" b="1" cap="none" spc="0" dirty="0">
+              <a:ln w="9525">
+                <a:solidFill>
+                  <a:schemeClr val="bg1"/>
+                </a:solidFill>
+                <a:prstDash val="solid"/>
+              </a:ln>
+              <a:solidFill>
+                <a:schemeClr val="tx1"/>
+              </a:solidFill>
+              <a:effectLst>
+                <a:outerShdw blurRad="12700" dist="38100" dir="2700000" algn="tl" rotWithShape="0">
+                  <a:schemeClr val="bg1">
+                    <a:lumMod val="50000"/>
+                  </a:schemeClr>
+                </a:outerShdw>
+              </a:effectLst>
+            </a:endParaRPr>
+          </a:p>
+        </p:txBody>
+      </p:sp>
     </p:spTree>
     <p:extLst>
       <p:ext uri="{BB962C8B-B14F-4D97-AF65-F5344CB8AC3E}">
-        <p14:creationId xmlns:p14="http://schemas.microsoft.com/office/powerpoint/2010/main" val="945722871"/>
+        <p14:creationId xmlns:p14="http://schemas.microsoft.com/office/powerpoint/2010/main" val="3513665831"/>
       </p:ext>
     </p:extLst>
   </p:cSld>

--- a/1_Präsentationen/SWE_BlueCouch_Endpräsentation.pptx
+++ b/1_Präsentationen/SWE_BlueCouch_Endpräsentation.pptx
@@ -5738,7 +5738,7 @@
                 </a:effectLst>
                 <a:latin typeface="Calibri" panose="020F0502020204030204" pitchFamily="34" charset="0"/>
               </a:rPr>
-              <a:t>IMP1 </a:t>
+              <a:t>IMPLEMENTIERUNG - FREUNDE </a:t>
             </a:r>
             <a:endParaRPr lang="de-DE" sz="2800" b="1" dirty="0">
               <a:solidFill>
@@ -5756,73 +5756,54 @@
           </a:p>
         </p:txBody>
       </p:sp>
-      <p:sp>
-        <p:nvSpPr>
-          <p:cNvPr id="3" name="Rechteck 2"/>
-          <p:cNvSpPr/>
+      <p:pic>
+        <p:nvPicPr>
+          <p:cNvPr id="2" name="Grafik 1"/>
+          <p:cNvPicPr>
+            <a:picLocks noChangeAspect="1"/>
+          </p:cNvPicPr>
           <p:nvPr/>
-        </p:nvSpPr>
+        </p:nvPicPr>
+        <p:blipFill>
+          <a:blip r:embed="rId3"/>
+          <a:stretch>
+            <a:fillRect/>
+          </a:stretch>
+        </p:blipFill>
         <p:spPr>
           <a:xfrm>
-            <a:off x="3774582" y="2958603"/>
-            <a:ext cx="5010146" cy="923330"/>
+            <a:off x="2582320" y="1332037"/>
+            <a:ext cx="7317962" cy="4844381"/>
           </a:xfrm>
           <a:prstGeom prst="rect">
             <a:avLst/>
           </a:prstGeom>
-          <a:solidFill>
-            <a:srgbClr val="FFFF00"/>
-          </a:solidFill>
         </p:spPr>
-        <p:txBody>
-          <a:bodyPr wrap="square" lIns="91440" tIns="45720" rIns="91440" bIns="45720">
-            <a:spAutoFit/>
-          </a:bodyPr>
-          <a:lstStyle/>
-          <a:p>
-            <a:pPr algn="ctr"/>
-            <a:r>
-              <a:rPr lang="de-DE" sz="5400" b="1" cap="none" spc="0" dirty="0" smtClean="0">
-                <a:ln w="9525">
-                  <a:solidFill>
-                    <a:schemeClr val="bg1"/>
-                  </a:solidFill>
-                  <a:prstDash val="solid"/>
-                </a:ln>
-                <a:solidFill>
-                  <a:schemeClr val="tx1"/>
-                </a:solidFill>
-                <a:effectLst>
-                  <a:outerShdw blurRad="12700" dist="38100" dir="2700000" algn="tl" rotWithShape="0">
-                    <a:schemeClr val="bg1">
-                      <a:lumMod val="50000"/>
-                    </a:schemeClr>
-                  </a:outerShdw>
-                </a:effectLst>
-              </a:rPr>
-              <a:t>OFFEN</a:t>
-            </a:r>
-            <a:endParaRPr lang="de-DE" sz="5400" b="1" cap="none" spc="0" dirty="0">
-              <a:ln w="9525">
-                <a:solidFill>
-                  <a:schemeClr val="bg1"/>
-                </a:solidFill>
-                <a:prstDash val="solid"/>
-              </a:ln>
-              <a:solidFill>
-                <a:schemeClr val="tx1"/>
-              </a:solidFill>
-              <a:effectLst>
-                <a:outerShdw blurRad="12700" dist="38100" dir="2700000" algn="tl" rotWithShape="0">
-                  <a:schemeClr val="bg1">
-                    <a:lumMod val="50000"/>
-                  </a:schemeClr>
-                </a:outerShdw>
-              </a:effectLst>
-            </a:endParaRPr>
-          </a:p>
-        </p:txBody>
-      </p:sp>
+      </p:pic>
+      <p:pic>
+        <p:nvPicPr>
+          <p:cNvPr id="6" name="Grafik 5"/>
+          <p:cNvPicPr>
+            <a:picLocks noChangeAspect="1"/>
+          </p:cNvPicPr>
+          <p:nvPr/>
+        </p:nvPicPr>
+        <p:blipFill>
+          <a:blip r:embed="rId4"/>
+          <a:stretch>
+            <a:fillRect/>
+          </a:stretch>
+        </p:blipFill>
+        <p:spPr>
+          <a:xfrm>
+            <a:off x="287784" y="2867095"/>
+            <a:ext cx="1879859" cy="1696194"/>
+          </a:xfrm>
+          <a:prstGeom prst="rect">
+            <a:avLst/>
+          </a:prstGeom>
+        </p:spPr>
+      </p:pic>
     </p:spTree>
     <p:extLst>
       <p:ext uri="{BB962C8B-B14F-4D97-AF65-F5344CB8AC3E}">
@@ -6673,12 +6654,6 @@
               </a:rPr>
               <a:t>???  reine Kommentarzeilen</a:t>
             </a:r>
-            <a:endParaRPr lang="de-AT" sz="2000" dirty="0" smtClean="0">
-              <a:solidFill>
-                <a:schemeClr val="bg1"/>
-              </a:solidFill>
-              <a:latin typeface="Calibri" panose="020F0502020204030204" pitchFamily="34" charset="0"/>
-            </a:endParaRPr>
           </a:p>
           <a:p>
             <a:pPr marL="342900" lvl="0" indent="-342900">
@@ -7168,16 +7143,7 @@
                 </a:solidFill>
                 <a:latin typeface="Calibri" panose="020F0502020204030204" pitchFamily="34" charset="0"/>
               </a:rPr>
-              <a:t>Fast alle</a:t>
-            </a:r>
-            <a:r>
-              <a:rPr lang="de-AT" sz="2400" b="1" dirty="0" smtClean="0">
-                <a:solidFill>
-                  <a:schemeClr val="bg1"/>
-                </a:solidFill>
-                <a:latin typeface="Calibri" panose="020F0502020204030204" pitchFamily="34" charset="0"/>
-              </a:rPr>
-              <a:t> Funktionalitäten  / Anforderungen abgedeckt</a:t>
+              <a:t>Fast alle Funktionalitäten  / Anforderungen abgedeckt</a:t>
             </a:r>
           </a:p>
           <a:p>
@@ -7578,14 +7544,14 @@
             </a:ln>
             <a:extLst>
               <a:ext uri="{909E8E84-426E-40dd-AFC4-6F175D3DCCD1}">
-                <a14:hiddenFill xmlns:a14="http://schemas.microsoft.com/office/drawing/2010/main" xmlns="">
+                <a14:hiddenFill xmlns="" xmlns:a14="http://schemas.microsoft.com/office/drawing/2010/main">
                   <a:solidFill>
                     <a:srgbClr val="FFFFFF"/>
                   </a:solidFill>
                 </a14:hiddenFill>
               </a:ext>
               <a:ext uri="{91240B29-F687-4f45-9708-019B960494DF}">
-                <a14:hiddenLine xmlns:a14="http://schemas.microsoft.com/office/drawing/2010/main" xmlns="" w="9525">
+                <a14:hiddenLine xmlns="" xmlns:a14="http://schemas.microsoft.com/office/drawing/2010/main" w="9525">
                   <a:solidFill>
                     <a:srgbClr val="000000"/>
                   </a:solidFill>
@@ -8105,12 +8071,6 @@
               </a:rPr>
               <a:t>Einzelabgabe sehr gut / wichtig</a:t>
             </a:r>
-            <a:endParaRPr lang="de-AT" sz="2400" b="1" dirty="0" smtClean="0">
-              <a:solidFill>
-                <a:schemeClr val="bg1"/>
-              </a:solidFill>
-              <a:latin typeface="Calibri" panose="020F0502020204030204" pitchFamily="34" charset="0"/>
-            </a:endParaRPr>
           </a:p>
           <a:p>
             <a:pPr marL="342900" indent="-342900">
@@ -8231,12 +8191,6 @@
               </a:rPr>
               <a:t> von einfachen, durchgängigen Bespielen wären wünschenswert (vgl. DBS Übungsunterlagen) – vor allem JSP / Servlet</a:t>
             </a:r>
-            <a:endParaRPr lang="de-AT" sz="2000" dirty="0" smtClean="0">
-              <a:solidFill>
-                <a:schemeClr val="bg1"/>
-              </a:solidFill>
-              <a:latin typeface="Calibri" panose="020F0502020204030204" pitchFamily="34" charset="0"/>
-            </a:endParaRPr>
           </a:p>
           <a:p>
             <a:pPr marL="342900" lvl="0" indent="-342900">

--- a/1_Präsentationen/SWE_BlueCouch_Endpräsentation.pptx
+++ b/1_Präsentationen/SWE_BlueCouch_Endpräsentation.pptx
@@ -15,7 +15,7 @@
     <p:sldId id="260" r:id="rId3"/>
     <p:sldId id="349" r:id="rId4"/>
     <p:sldId id="345" r:id="rId5"/>
-    <p:sldId id="346" r:id="rId6"/>
+    <p:sldId id="352" r:id="rId6"/>
     <p:sldId id="347" r:id="rId7"/>
     <p:sldId id="348" r:id="rId8"/>
     <p:sldId id="332" r:id="rId9"/>
@@ -289,7 +289,7 @@
               <a:pPr>
                 <a:defRPr/>
               </a:pPr>
-              <a:t>24.01.2016</a:t>
+              <a:t>27.01.2016</a:t>
             </a:fld>
             <a:endParaRPr lang="de-DE"/>
           </a:p>
@@ -514,7 +514,7 @@
               <a:pPr>
                 <a:defRPr/>
               </a:pPr>
-              <a:t>24.01.2016</a:t>
+              <a:t>27.01.2016</a:t>
             </a:fld>
             <a:endParaRPr lang="de-AT"/>
           </a:p>
@@ -1379,7 +1379,7 @@
     </p:spTree>
     <p:extLst>
       <p:ext uri="{BB962C8B-B14F-4D97-AF65-F5344CB8AC3E}">
-        <p14:creationId xmlns:p14="http://schemas.microsoft.com/office/powerpoint/2010/main" val="1044942162"/>
+        <p14:creationId xmlns:p14="http://schemas.microsoft.com/office/powerpoint/2010/main" val="3618400887"/>
       </p:ext>
     </p:extLst>
   </p:cSld>
@@ -5575,7 +5575,7 @@
       </p:sp>
       <p:pic>
         <p:nvPicPr>
-          <p:cNvPr id="2" name="Grafik 1"/>
+          <p:cNvPr id="3" name="Grafik 2"/>
           <p:cNvPicPr>
             <a:picLocks noChangeAspect="1"/>
           </p:cNvPicPr>
@@ -5589,8 +5589,8 @@
         </p:blipFill>
         <p:spPr>
           <a:xfrm>
-            <a:off x="215776" y="2052117"/>
-            <a:ext cx="9665075" cy="3230665"/>
+            <a:off x="171337" y="2052118"/>
+            <a:ext cx="9584929" cy="3123580"/>
           </a:xfrm>
           <a:prstGeom prst="rect">
             <a:avLst/>
@@ -5627,6 +5627,30 @@
           <a:chExt cx="0" cy="0"/>
         </a:xfrm>
       </p:grpSpPr>
+      <p:pic>
+        <p:nvPicPr>
+          <p:cNvPr id="7" name="Grafik 6"/>
+          <p:cNvPicPr>
+            <a:picLocks noChangeAspect="1"/>
+          </p:cNvPicPr>
+          <p:nvPr/>
+        </p:nvPicPr>
+        <p:blipFill>
+          <a:blip r:embed="rId3"/>
+          <a:stretch>
+            <a:fillRect/>
+          </a:stretch>
+        </p:blipFill>
+        <p:spPr>
+          <a:xfrm>
+            <a:off x="143768" y="1083144"/>
+            <a:ext cx="3118254" cy="1689054"/>
+          </a:xfrm>
+          <a:prstGeom prst="rect">
+            <a:avLst/>
+          </a:prstGeom>
+        </p:spPr>
+      </p:pic>
       <p:sp>
         <p:nvSpPr>
           <p:cNvPr id="10" name="Foliennummernplatzhalter 3"/>
@@ -5738,7 +5762,7 @@
                 </a:effectLst>
                 <a:latin typeface="Calibri" panose="020F0502020204030204" pitchFamily="34" charset="0"/>
               </a:rPr>
-              <a:t>IMPLEMENTIERUNG - FREUNDE </a:t>
+              <a:t>FREUNDE </a:t>
             </a:r>
             <a:endParaRPr lang="de-DE" sz="2800" b="1" dirty="0">
               <a:solidFill>
@@ -5756,30 +5780,6 @@
           </a:p>
         </p:txBody>
       </p:sp>
-      <p:pic>
-        <p:nvPicPr>
-          <p:cNvPr id="2" name="Grafik 1"/>
-          <p:cNvPicPr>
-            <a:picLocks noChangeAspect="1"/>
-          </p:cNvPicPr>
-          <p:nvPr/>
-        </p:nvPicPr>
-        <p:blipFill>
-          <a:blip r:embed="rId3"/>
-          <a:stretch>
-            <a:fillRect/>
-          </a:stretch>
-        </p:blipFill>
-        <p:spPr>
-          <a:xfrm>
-            <a:off x="2582320" y="1332037"/>
-            <a:ext cx="7317962" cy="4844381"/>
-          </a:xfrm>
-          <a:prstGeom prst="rect">
-            <a:avLst/>
-          </a:prstGeom>
-        </p:spPr>
-      </p:pic>
       <p:pic>
         <p:nvPicPr>
           <p:cNvPr id="6" name="Grafik 5"/>
@@ -5796,8 +5796,32 @@
         </p:blipFill>
         <p:spPr>
           <a:xfrm>
-            <a:off x="287784" y="2867095"/>
+            <a:off x="314875" y="3492277"/>
             <a:ext cx="1879859" cy="1696194"/>
+          </a:xfrm>
+          <a:prstGeom prst="rect">
+            <a:avLst/>
+          </a:prstGeom>
+        </p:spPr>
+      </p:pic>
+      <p:pic>
+        <p:nvPicPr>
+          <p:cNvPr id="5" name="Grafik 4"/>
+          <p:cNvPicPr>
+            <a:picLocks noChangeAspect="1"/>
+          </p:cNvPicPr>
+          <p:nvPr/>
+        </p:nvPicPr>
+        <p:blipFill>
+          <a:blip r:embed="rId5"/>
+          <a:stretch>
+            <a:fillRect/>
+          </a:stretch>
+        </p:blipFill>
+        <p:spPr>
+          <a:xfrm>
+            <a:off x="2736056" y="1548061"/>
+            <a:ext cx="7200336" cy="4649514"/>
           </a:xfrm>
           <a:prstGeom prst="rect">
             <a:avLst/>
@@ -5834,6 +5858,30 @@
           <a:chExt cx="0" cy="0"/>
         </a:xfrm>
       </p:grpSpPr>
+      <p:pic>
+        <p:nvPicPr>
+          <p:cNvPr id="4" name="Grafik 3"/>
+          <p:cNvPicPr>
+            <a:picLocks noChangeAspect="1"/>
+          </p:cNvPicPr>
+          <p:nvPr/>
+        </p:nvPicPr>
+        <p:blipFill>
+          <a:blip r:embed="rId3"/>
+          <a:stretch>
+            <a:fillRect/>
+          </a:stretch>
+        </p:blipFill>
+        <p:spPr>
+          <a:xfrm>
+            <a:off x="143768" y="1046827"/>
+            <a:ext cx="4347647" cy="2354975"/>
+          </a:xfrm>
+          <a:prstGeom prst="rect">
+            <a:avLst/>
+          </a:prstGeom>
+        </p:spPr>
+      </p:pic>
       <p:sp>
         <p:nvSpPr>
           <p:cNvPr id="10" name="Foliennummernplatzhalter 3"/>
@@ -5933,9 +5981,6 @@
             </a:pPr>
             <a:r>
               <a:rPr lang="de-DE" sz="2800" b="1" dirty="0" smtClean="0">
-                <a:solidFill>
-                  <a:schemeClr val="tx1"/>
-                </a:solidFill>
                 <a:effectLst>
                   <a:outerShdw blurRad="38100" dist="38100" dir="2700000" algn="tl">
                     <a:srgbClr val="000000">
@@ -5945,12 +5990,9 @@
                 </a:effectLst>
                 <a:latin typeface="Calibri" panose="020F0502020204030204" pitchFamily="34" charset="0"/>
               </a:rPr>
-              <a:t>IMP2 </a:t>
+              <a:t>GRUPPEN  - SICHTBARAKEIT </a:t>
             </a:r>
             <a:endParaRPr lang="de-DE" sz="2800" b="1" dirty="0">
-              <a:solidFill>
-                <a:schemeClr val="tx1"/>
-              </a:solidFill>
               <a:effectLst>
                 <a:outerShdw blurRad="38100" dist="38100" dir="2700000" algn="tl">
                   <a:srgbClr val="000000">
@@ -5963,77 +6005,58 @@
           </a:p>
         </p:txBody>
       </p:sp>
-      <p:sp>
-        <p:nvSpPr>
-          <p:cNvPr id="6" name="Rechteck 5"/>
-          <p:cNvSpPr/>
+      <p:pic>
+        <p:nvPicPr>
+          <p:cNvPr id="5" name="Grafik 4"/>
+          <p:cNvPicPr>
+            <a:picLocks noChangeAspect="1"/>
+          </p:cNvPicPr>
           <p:nvPr/>
-        </p:nvSpPr>
+        </p:nvPicPr>
+        <p:blipFill>
+          <a:blip r:embed="rId4"/>
+          <a:stretch>
+            <a:fillRect/>
+          </a:stretch>
+        </p:blipFill>
         <p:spPr>
           <a:xfrm>
-            <a:off x="3774582" y="2958603"/>
-            <a:ext cx="5010146" cy="923330"/>
+            <a:off x="2799907" y="1690387"/>
+            <a:ext cx="6911876" cy="4653347"/>
           </a:xfrm>
           <a:prstGeom prst="rect">
             <a:avLst/>
           </a:prstGeom>
-          <a:solidFill>
-            <a:srgbClr val="FFFF00"/>
-          </a:solidFill>
         </p:spPr>
-        <p:txBody>
-          <a:bodyPr wrap="square" lIns="91440" tIns="45720" rIns="91440" bIns="45720">
-            <a:spAutoFit/>
-          </a:bodyPr>
-          <a:lstStyle/>
-          <a:p>
-            <a:pPr algn="ctr"/>
-            <a:r>
-              <a:rPr lang="de-DE" sz="5400" b="1" cap="none" spc="0" dirty="0" smtClean="0">
-                <a:ln w="9525">
-                  <a:solidFill>
-                    <a:schemeClr val="bg1"/>
-                  </a:solidFill>
-                  <a:prstDash val="solid"/>
-                </a:ln>
-                <a:solidFill>
-                  <a:schemeClr val="tx1"/>
-                </a:solidFill>
-                <a:effectLst>
-                  <a:outerShdw blurRad="12700" dist="38100" dir="2700000" algn="tl" rotWithShape="0">
-                    <a:schemeClr val="bg1">
-                      <a:lumMod val="50000"/>
-                    </a:schemeClr>
-                  </a:outerShdw>
-                </a:effectLst>
-              </a:rPr>
-              <a:t>OFFEN</a:t>
-            </a:r>
-            <a:endParaRPr lang="de-DE" sz="5400" b="1" cap="none" spc="0" dirty="0">
-              <a:ln w="9525">
-                <a:solidFill>
-                  <a:schemeClr val="bg1"/>
-                </a:solidFill>
-                <a:prstDash val="solid"/>
-              </a:ln>
-              <a:solidFill>
-                <a:schemeClr val="tx1"/>
-              </a:solidFill>
-              <a:effectLst>
-                <a:outerShdw blurRad="12700" dist="38100" dir="2700000" algn="tl" rotWithShape="0">
-                  <a:schemeClr val="bg1">
-                    <a:lumMod val="50000"/>
-                  </a:schemeClr>
-                </a:outerShdw>
-              </a:effectLst>
-            </a:endParaRPr>
-          </a:p>
-        </p:txBody>
-      </p:sp>
+      </p:pic>
+      <p:pic>
+        <p:nvPicPr>
+          <p:cNvPr id="6" name="Grafik 5"/>
+          <p:cNvPicPr>
+            <a:picLocks noChangeAspect="1"/>
+          </p:cNvPicPr>
+          <p:nvPr/>
+        </p:nvPicPr>
+        <p:blipFill>
+          <a:blip r:embed="rId5"/>
+          <a:stretch>
+            <a:fillRect/>
+          </a:stretch>
+        </p:blipFill>
+        <p:spPr>
+          <a:xfrm>
+            <a:off x="357413" y="3852317"/>
+            <a:ext cx="2228850" cy="1724025"/>
+          </a:xfrm>
+          <a:prstGeom prst="rect">
+            <a:avLst/>
+          </a:prstGeom>
+        </p:spPr>
+      </p:pic>
     </p:spTree>
     <p:extLst>
       <p:ext uri="{BB962C8B-B14F-4D97-AF65-F5344CB8AC3E}">
-        <p14:creationId xmlns:p14="http://schemas.microsoft.com/office/powerpoint/2010/main" val="833726543"/>
+        <p14:creationId xmlns:p14="http://schemas.microsoft.com/office/powerpoint/2010/main" val="549247967"/>
       </p:ext>
     </p:extLst>
   </p:cSld>
@@ -6171,7 +6194,7 @@
                 </a:effectLst>
                 <a:latin typeface="Calibri" panose="020F0502020204030204" pitchFamily="34" charset="0"/>
               </a:rPr>
-              <a:t>IMP3 </a:t>
+              <a:t>IMPLEMENTIERUNG - FEATURES</a:t>
             </a:r>
             <a:endParaRPr lang="de-DE" sz="2800" b="1" dirty="0">
               <a:solidFill>
@@ -6191,71 +6214,252 @@
       </p:sp>
       <p:sp>
         <p:nvSpPr>
-          <p:cNvPr id="6" name="Rechteck 5"/>
-          <p:cNvSpPr/>
+          <p:cNvPr id="5" name="Inhaltsplatzhalter 2"/>
+          <p:cNvSpPr txBox="1">
+            <a:spLocks/>
+          </p:cNvSpPr>
           <p:nvPr/>
         </p:nvSpPr>
-        <p:spPr>
+        <p:spPr bwMode="auto">
           <a:xfrm>
-            <a:off x="3774582" y="2958603"/>
-            <a:ext cx="5010146" cy="923330"/>
+            <a:off x="719832" y="1188021"/>
+            <a:ext cx="8784976" cy="5257105"/>
           </a:xfrm>
           <a:prstGeom prst="rect">
             <a:avLst/>
           </a:prstGeom>
-          <a:solidFill>
-            <a:srgbClr val="FFFF00"/>
-          </a:solidFill>
+          <a:noFill/>
+          <a:ln w="9525">
+            <a:noFill/>
+            <a:miter lim="800000"/>
+            <a:headEnd/>
+            <a:tailEnd/>
+          </a:ln>
         </p:spPr>
         <p:txBody>
-          <a:bodyPr wrap="square" lIns="91440" tIns="45720" rIns="91440" bIns="45720">
-            <a:spAutoFit/>
+          <a:bodyPr vert="horz" wrap="square" lIns="0" tIns="45720" rIns="0" bIns="45720" numCol="1" anchor="t" anchorCtr="0" compatLnSpc="1">
+            <a:prstTxWarp prst="textNoShape">
+              <a:avLst/>
+            </a:prstTxWarp>
           </a:bodyPr>
           <a:lstStyle/>
           <a:p>
+            <a:pPr marL="342900" lvl="0" indent="-342900">
+              <a:spcBef>
+                <a:spcPct val="20000"/>
+              </a:spcBef>
+              <a:buClr>
+                <a:srgbClr val="FF0000"/>
+              </a:buClr>
+              <a:buFont typeface="Wingdings" panose="05000000000000000000" pitchFamily="2" charset="2"/>
+              <a:buChar char="§"/>
+              <a:defRPr/>
+            </a:pPr>
+            <a:r>
+              <a:rPr lang="de-AT" sz="2400" b="1" dirty="0" err="1" smtClean="0">
+                <a:solidFill>
+                  <a:schemeClr val="bg1"/>
+                </a:solidFill>
+                <a:latin typeface="Calibri" panose="020F0502020204030204" pitchFamily="34" charset="0"/>
+              </a:rPr>
+              <a:t>getTyp</a:t>
+            </a:r>
+            <a:r>
+              <a:rPr lang="de-AT" sz="2400" b="1" dirty="0" smtClean="0">
+                <a:solidFill>
+                  <a:schemeClr val="bg1"/>
+                </a:solidFill>
+                <a:latin typeface="Calibri" panose="020F0502020204030204" pitchFamily="34" charset="0"/>
+              </a:rPr>
+              <a:t>(email)</a:t>
+            </a:r>
+            <a:endParaRPr lang="de-AT" sz="2400" b="1" dirty="0" smtClean="0">
+              <a:solidFill>
+                <a:schemeClr val="bg1"/>
+              </a:solidFill>
+              <a:latin typeface="Calibri" panose="020F0502020204030204" pitchFamily="34" charset="0"/>
+            </a:endParaRPr>
+          </a:p>
+          <a:p>
+            <a:pPr marL="342900" indent="-342900">
+              <a:spcBef>
+                <a:spcPct val="20000"/>
+              </a:spcBef>
+              <a:buClr>
+                <a:srgbClr val="FF0000"/>
+              </a:buClr>
+              <a:buFont typeface="Wingdings" panose="05000000000000000000" pitchFamily="2" charset="2"/>
+              <a:buChar char="§"/>
+              <a:defRPr/>
+            </a:pPr>
+            <a:r>
+              <a:rPr lang="de-AT" sz="2400" b="1" dirty="0" smtClean="0">
+                <a:solidFill>
+                  <a:schemeClr val="bg1"/>
+                </a:solidFill>
+                <a:latin typeface="Calibri" panose="020F0502020204030204" pitchFamily="34" charset="0"/>
+              </a:rPr>
+              <a:t>Cookie – email = String = ID</a:t>
+            </a:r>
+            <a:endParaRPr lang="de-AT" sz="2400" b="1" dirty="0" smtClean="0">
+              <a:solidFill>
+                <a:schemeClr val="bg1"/>
+              </a:solidFill>
+              <a:latin typeface="Calibri" panose="020F0502020204030204" pitchFamily="34" charset="0"/>
+            </a:endParaRPr>
+          </a:p>
+          <a:p>
+            <a:pPr marL="342900" lvl="0" indent="-342900">
+              <a:spcBef>
+                <a:spcPct val="20000"/>
+              </a:spcBef>
+              <a:buClr>
+                <a:srgbClr val="FF0000"/>
+              </a:buClr>
+              <a:buFont typeface="Wingdings" panose="05000000000000000000" pitchFamily="2" charset="2"/>
+              <a:buChar char="§"/>
+              <a:defRPr/>
+            </a:pPr>
+            <a:r>
+              <a:rPr lang="de-AT" sz="2400" b="1" dirty="0" smtClean="0">
+                <a:solidFill>
+                  <a:schemeClr val="bg1"/>
+                </a:solidFill>
+                <a:latin typeface="Calibri" panose="020F0502020204030204" pitchFamily="34" charset="0"/>
+              </a:rPr>
+              <a:t>Benutzerbild</a:t>
+            </a:r>
+            <a:endParaRPr lang="de-AT" sz="2400" b="1" dirty="0" smtClean="0">
+              <a:solidFill>
+                <a:schemeClr val="bg1"/>
+              </a:solidFill>
+              <a:latin typeface="Calibri" panose="020F0502020204030204" pitchFamily="34" charset="0"/>
+            </a:endParaRPr>
+          </a:p>
+          <a:p>
+            <a:pPr marL="342900" indent="-342900">
+              <a:spcBef>
+                <a:spcPct val="20000"/>
+              </a:spcBef>
+              <a:buClr>
+                <a:srgbClr val="FF0000"/>
+              </a:buClr>
+              <a:buFont typeface="Wingdings" panose="05000000000000000000" pitchFamily="2" charset="2"/>
+              <a:buChar char="§"/>
+              <a:defRPr/>
+            </a:pPr>
+            <a:r>
+              <a:rPr lang="de-AT" sz="2400" b="1" dirty="0" smtClean="0">
+                <a:solidFill>
+                  <a:schemeClr val="bg1"/>
+                </a:solidFill>
+                <a:latin typeface="Calibri" panose="020F0502020204030204" pitchFamily="34" charset="0"/>
+              </a:rPr>
+              <a:t>Usersuche</a:t>
+            </a:r>
+            <a:endParaRPr lang="de-AT" sz="2400" b="1" dirty="0">
+              <a:solidFill>
+                <a:schemeClr val="bg1"/>
+              </a:solidFill>
+              <a:latin typeface="Calibri" panose="020F0502020204030204" pitchFamily="34" charset="0"/>
+            </a:endParaRPr>
+          </a:p>
+        </p:txBody>
+      </p:sp>
+      <p:pic>
+        <p:nvPicPr>
+          <p:cNvPr id="2" name="Grafik 1"/>
+          <p:cNvPicPr>
+            <a:picLocks noChangeAspect="1"/>
+          </p:cNvPicPr>
+          <p:nvPr/>
+        </p:nvPicPr>
+        <p:blipFill>
+          <a:blip r:embed="rId3"/>
+          <a:stretch>
+            <a:fillRect/>
+          </a:stretch>
+        </p:blipFill>
+        <p:spPr>
+          <a:xfrm>
+            <a:off x="444674" y="3510883"/>
+            <a:ext cx="9433048" cy="1512168"/>
+          </a:xfrm>
+          <a:prstGeom prst="rect">
+            <a:avLst/>
+          </a:prstGeom>
+        </p:spPr>
+      </p:pic>
+      <p:sp>
+        <p:nvSpPr>
+          <p:cNvPr id="3" name="Rechteck 2"/>
+          <p:cNvSpPr/>
+          <p:nvPr/>
+        </p:nvSpPr>
+        <p:spPr>
+          <a:xfrm>
+            <a:off x="1203762" y="3852317"/>
+            <a:ext cx="8280920" cy="288032"/>
+          </a:xfrm>
+          <a:prstGeom prst="rect">
+            <a:avLst/>
+          </a:prstGeom>
+          <a:noFill/>
+          <a:ln>
+            <a:solidFill>
+              <a:srgbClr val="FF0000"/>
+            </a:solidFill>
+          </a:ln>
+        </p:spPr>
+        <p:style>
+          <a:lnRef idx="2">
+            <a:schemeClr val="accent1">
+              <a:shade val="50000"/>
+            </a:schemeClr>
+          </a:lnRef>
+          <a:fillRef idx="1">
+            <a:schemeClr val="accent1"/>
+          </a:fillRef>
+          <a:effectRef idx="0">
+            <a:schemeClr val="accent1"/>
+          </a:effectRef>
+          <a:fontRef idx="minor">
+            <a:schemeClr val="lt1"/>
+          </a:fontRef>
+        </p:style>
+        <p:txBody>
+          <a:bodyPr rtlCol="0" anchor="ctr"/>
+          <a:lstStyle/>
+          <a:p>
             <a:pPr algn="ctr"/>
-            <a:r>
-              <a:rPr lang="de-DE" sz="5400" b="1" cap="none" spc="0" dirty="0" smtClean="0">
-                <a:ln w="9525">
-                  <a:solidFill>
-                    <a:schemeClr val="bg1"/>
-                  </a:solidFill>
-                  <a:prstDash val="solid"/>
-                </a:ln>
-                <a:solidFill>
-                  <a:schemeClr val="tx1"/>
-                </a:solidFill>
-                <a:effectLst>
-                  <a:outerShdw blurRad="12700" dist="38100" dir="2700000" algn="tl" rotWithShape="0">
-                    <a:schemeClr val="bg1">
-                      <a:lumMod val="50000"/>
-                    </a:schemeClr>
-                  </a:outerShdw>
-                </a:effectLst>
-              </a:rPr>
-              <a:t>OFFEN</a:t>
-            </a:r>
-            <a:endParaRPr lang="de-DE" sz="5400" b="1" cap="none" spc="0" dirty="0">
-              <a:ln w="9525">
-                <a:solidFill>
-                  <a:schemeClr val="bg1"/>
-                </a:solidFill>
-                <a:prstDash val="solid"/>
-              </a:ln>
-              <a:solidFill>
-                <a:schemeClr val="tx1"/>
-              </a:solidFill>
-              <a:effectLst>
-                <a:outerShdw blurRad="12700" dist="38100" dir="2700000" algn="tl" rotWithShape="0">
-                  <a:schemeClr val="bg1">
-                    <a:lumMod val="50000"/>
-                  </a:schemeClr>
-                </a:outerShdw>
-              </a:effectLst>
-            </a:endParaRPr>
+            <a:endParaRPr lang="de-AT"/>
           </a:p>
         </p:txBody>
       </p:sp>
+      <p:pic>
+        <p:nvPicPr>
+          <p:cNvPr id="4" name="Grafik 3"/>
+          <p:cNvPicPr>
+            <a:picLocks noChangeAspect="1"/>
+          </p:cNvPicPr>
+          <p:nvPr/>
+        </p:nvPicPr>
+        <p:blipFill>
+          <a:blip r:embed="rId4"/>
+          <a:stretch>
+            <a:fillRect/>
+          </a:stretch>
+        </p:blipFill>
+        <p:spPr>
+          <a:xfrm>
+            <a:off x="575816" y="5120694"/>
+            <a:ext cx="5628496" cy="1330730"/>
+          </a:xfrm>
+          <a:prstGeom prst="rect">
+            <a:avLst/>
+          </a:prstGeom>
+        </p:spPr>
+      </p:pic>
     </p:spTree>
     <p:extLst>
       <p:ext uri="{BB962C8B-B14F-4D97-AF65-F5344CB8AC3E}">
@@ -6487,25 +6691,7 @@
                 </a:solidFill>
                 <a:latin typeface="Calibri" panose="020F0502020204030204" pitchFamily="34" charset="0"/>
               </a:rPr>
-              <a:t>9 Servlets (+</a:t>
-            </a:r>
-            <a:r>
-              <a:rPr lang="de-AT" sz="2000" dirty="0" err="1" smtClean="0">
-                <a:solidFill>
-                  <a:schemeClr val="bg1"/>
-                </a:solidFill>
-                <a:latin typeface="Calibri" panose="020F0502020204030204" pitchFamily="34" charset="0"/>
-              </a:rPr>
-              <a:t>jsps</a:t>
-            </a:r>
-            <a:r>
-              <a:rPr lang="de-AT" sz="2000" dirty="0" smtClean="0">
-                <a:solidFill>
-                  <a:schemeClr val="bg1"/>
-                </a:solidFill>
-                <a:latin typeface="Calibri" panose="020F0502020204030204" pitchFamily="34" charset="0"/>
-              </a:rPr>
-              <a:t>)</a:t>
+              <a:t>9 Servlets + 9 JSP‘s</a:t>
             </a:r>
           </a:p>
           <a:p>
@@ -6527,7 +6713,7 @@
                 </a:solidFill>
                 <a:latin typeface="Calibri" panose="020F0502020204030204" pitchFamily="34" charset="0"/>
               </a:rPr>
-              <a:t>1 Anwendermanagement / 1 DAO</a:t>
+              <a:t>1 Anwendermanagement </a:t>
             </a:r>
           </a:p>
           <a:p>
@@ -6549,7 +6735,29 @@
                 </a:solidFill>
                 <a:latin typeface="Calibri" panose="020F0502020204030204" pitchFamily="34" charset="0"/>
               </a:rPr>
-              <a:t>4 Benutzer </a:t>
+              <a:t>1 Anwender DAO</a:t>
+            </a:r>
+          </a:p>
+          <a:p>
+            <a:pPr marL="800100" lvl="1" indent="-342900">
+              <a:spcBef>
+                <a:spcPct val="20000"/>
+              </a:spcBef>
+              <a:buClr>
+                <a:srgbClr val="FF0000"/>
+              </a:buClr>
+              <a:buFont typeface="Wingdings" panose="05000000000000000000" pitchFamily="2" charset="2"/>
+              <a:buChar char="ü"/>
+              <a:defRPr/>
+            </a:pPr>
+            <a:r>
+              <a:rPr lang="de-AT" sz="2000" dirty="0" smtClean="0">
+                <a:solidFill>
+                  <a:schemeClr val="bg1"/>
+                </a:solidFill>
+                <a:latin typeface="Calibri" panose="020F0502020204030204" pitchFamily="34" charset="0"/>
+              </a:rPr>
+              <a:t>4 Benutzertypen </a:t>
             </a:r>
           </a:p>
           <a:p>
@@ -6608,7 +6816,7 @@
                 </a:solidFill>
                 <a:latin typeface="Calibri" panose="020F0502020204030204" pitchFamily="34" charset="0"/>
               </a:rPr>
-              <a:t>???? Programmzeilen</a:t>
+              <a:t>4582 Java - Programmzeilen</a:t>
             </a:r>
           </a:p>
           <a:p>
@@ -6630,7 +6838,7 @@
                 </a:solidFill>
                 <a:latin typeface="Calibri" panose="020F0502020204030204" pitchFamily="34" charset="0"/>
               </a:rPr>
-              <a:t>??? reine Codezeilen</a:t>
+              <a:t>2404 reine Codezeilen</a:t>
             </a:r>
           </a:p>
           <a:p>
@@ -6652,7 +6860,7 @@
                 </a:solidFill>
                 <a:latin typeface="Calibri" panose="020F0502020204030204" pitchFamily="34" charset="0"/>
               </a:rPr>
-              <a:t>???  reine Kommentarzeilen</a:t>
+              <a:t>1114  reine Kommentarzeilen</a:t>
             </a:r>
           </a:p>
           <a:p>
@@ -6674,23 +6882,30 @@
                 </a:solidFill>
                 <a:latin typeface="Calibri" panose="020F0502020204030204" pitchFamily="34" charset="0"/>
               </a:rPr>
-              <a:t>19 </a:t>
-            </a:r>
-            <a:r>
-              <a:rPr lang="de-AT" sz="2400" b="1" dirty="0" err="1" smtClean="0">
+              <a:t>2092 JSP - Programmzeilen</a:t>
+            </a:r>
+          </a:p>
+          <a:p>
+            <a:pPr marL="342900" lvl="0" indent="-342900">
+              <a:spcBef>
+                <a:spcPct val="20000"/>
+              </a:spcBef>
+              <a:buClr>
+                <a:srgbClr val="FF0000"/>
+              </a:buClr>
+              <a:buFont typeface="Wingdings" panose="05000000000000000000" pitchFamily="2" charset="2"/>
+              <a:buChar char="§"/>
+              <a:defRPr/>
+            </a:pPr>
+            <a:r>
+              <a:rPr lang="de-AT" sz="2400" b="1" dirty="0" smtClean="0">
                 <a:solidFill>
                   <a:schemeClr val="bg1"/>
                 </a:solidFill>
                 <a:latin typeface="Calibri" panose="020F0502020204030204" pitchFamily="34" charset="0"/>
               </a:rPr>
-              <a:t>Testcases</a:t>
-            </a:r>
-            <a:endParaRPr lang="de-AT" sz="2400" b="1" dirty="0" smtClean="0">
-              <a:solidFill>
-                <a:schemeClr val="bg1"/>
-              </a:solidFill>
-              <a:latin typeface="Calibri" panose="020F0502020204030204" pitchFamily="34" charset="0"/>
-            </a:endParaRPr>
+              <a:t>19 Testcases</a:t>
+            </a:r>
           </a:p>
           <a:p>
             <a:pPr marL="342900" indent="-342900">
@@ -6739,7 +6954,7 @@
                 </a:solidFill>
                 <a:latin typeface="Calibri" panose="020F0502020204030204" pitchFamily="34" charset="0"/>
               </a:rPr>
-              <a:t>?????</a:t>
+              <a:t>Apache Tomcat 8.0.28</a:t>
             </a:r>
             <a:endParaRPr lang="de-AT" sz="2000" dirty="0">
               <a:solidFill>
@@ -6767,61 +6982,14 @@
                 </a:solidFill>
                 <a:latin typeface="Calibri" panose="020F0502020204030204" pitchFamily="34" charset="0"/>
               </a:rPr>
-              <a:t>???</a:t>
-            </a:r>
-          </a:p>
-          <a:p>
-            <a:pPr marL="342900" indent="-342900">
-              <a:spcBef>
-                <a:spcPct val="20000"/>
-              </a:spcBef>
-              <a:buClr>
-                <a:srgbClr val="FF0000"/>
-              </a:buClr>
-              <a:buFont typeface="Wingdings" panose="05000000000000000000" pitchFamily="2" charset="2"/>
-              <a:buChar char="§"/>
-              <a:defRPr/>
-            </a:pPr>
-            <a:r>
-              <a:rPr lang="de-AT" sz="2400" b="1" dirty="0" smtClean="0">
-                <a:solidFill>
-                  <a:schemeClr val="bg1"/>
-                </a:solidFill>
-                <a:latin typeface="Calibri" panose="020F0502020204030204" pitchFamily="34" charset="0"/>
-              </a:rPr>
-              <a:t>MVC – Pattern --??? Sonst noch was?</a:t>
-            </a:r>
-            <a:endParaRPr lang="de-AT" sz="2000" dirty="0">
-              <a:solidFill>
-                <a:schemeClr val="bg1"/>
-              </a:solidFill>
-              <a:latin typeface="Calibri" panose="020F0502020204030204" pitchFamily="34" charset="0"/>
-            </a:endParaRPr>
-          </a:p>
-          <a:p>
-            <a:pPr marL="342900" lvl="0" indent="-342900">
-              <a:spcBef>
-                <a:spcPct val="20000"/>
-              </a:spcBef>
-              <a:buClr>
-                <a:srgbClr val="FF0000"/>
-              </a:buClr>
-              <a:buFont typeface="Wingdings" panose="05000000000000000000" pitchFamily="2" charset="2"/>
-              <a:buChar char="§"/>
-              <a:defRPr/>
-            </a:pPr>
-            <a:endParaRPr lang="de-AT" sz="2400" b="1" dirty="0">
-              <a:solidFill>
-                <a:schemeClr val="bg1"/>
-              </a:solidFill>
-              <a:latin typeface="Calibri" panose="020F0502020204030204" pitchFamily="34" charset="0"/>
-            </a:endParaRPr>
+              <a:t>Applikation: Java, Darstellung: HTML + CSS (Bootstrap)</a:t>
+            </a:r>
           </a:p>
         </p:txBody>
       </p:sp>
       <p:pic>
         <p:nvPicPr>
-          <p:cNvPr id="7" name="Grafik 6"/>
+          <p:cNvPr id="2" name="Grafik 1"/>
           <p:cNvPicPr>
             <a:picLocks noChangeAspect="1"/>
           </p:cNvPicPr>
@@ -6835,8 +7003,8 @@
         </p:blipFill>
         <p:spPr>
           <a:xfrm>
-            <a:off x="5112321" y="1428582"/>
-            <a:ext cx="4787962" cy="1600433"/>
+            <a:off x="4608264" y="3745740"/>
+            <a:ext cx="4896544" cy="1846585"/>
           </a:xfrm>
           <a:prstGeom prst="rect">
             <a:avLst/>
@@ -6845,7 +7013,7 @@
       </p:pic>
       <p:pic>
         <p:nvPicPr>
-          <p:cNvPr id="2" name="Grafik 1"/>
+          <p:cNvPr id="9" name="Grafik 8"/>
           <p:cNvPicPr>
             <a:picLocks noChangeAspect="1"/>
           </p:cNvPicPr>
@@ -6859,81 +7027,14 @@
         </p:blipFill>
         <p:spPr>
           <a:xfrm>
-            <a:off x="5083320" y="3122149"/>
-            <a:ext cx="4636620" cy="1846585"/>
+            <a:off x="4597470" y="1554973"/>
+            <a:ext cx="5111676" cy="1665816"/>
           </a:xfrm>
           <a:prstGeom prst="rect">
             <a:avLst/>
           </a:prstGeom>
         </p:spPr>
       </p:pic>
-      <p:sp>
-        <p:nvSpPr>
-          <p:cNvPr id="6" name="Rechteck 5"/>
-          <p:cNvSpPr/>
-          <p:nvPr/>
-        </p:nvSpPr>
-        <p:spPr>
-          <a:xfrm>
-            <a:off x="6120432" y="5450220"/>
-            <a:ext cx="5010146" cy="923330"/>
-          </a:xfrm>
-          <a:prstGeom prst="rect">
-            <a:avLst/>
-          </a:prstGeom>
-          <a:solidFill>
-            <a:srgbClr val="FFFF00"/>
-          </a:solidFill>
-        </p:spPr>
-        <p:txBody>
-          <a:bodyPr wrap="square" lIns="91440" tIns="45720" rIns="91440" bIns="45720">
-            <a:spAutoFit/>
-          </a:bodyPr>
-          <a:lstStyle/>
-          <a:p>
-            <a:pPr algn="ctr"/>
-            <a:r>
-              <a:rPr lang="de-DE" sz="5400" b="1" cap="none" spc="0" dirty="0" smtClean="0">
-                <a:ln w="9525">
-                  <a:solidFill>
-                    <a:schemeClr val="bg1"/>
-                  </a:solidFill>
-                  <a:prstDash val="solid"/>
-                </a:ln>
-                <a:solidFill>
-                  <a:schemeClr val="tx1"/>
-                </a:solidFill>
-                <a:effectLst>
-                  <a:outerShdw blurRad="12700" dist="38100" dir="2700000" algn="tl" rotWithShape="0">
-                    <a:schemeClr val="bg1">
-                      <a:lumMod val="50000"/>
-                    </a:schemeClr>
-                  </a:outerShdw>
-                </a:effectLst>
-              </a:rPr>
-              <a:t>Fertigstellen</a:t>
-            </a:r>
-            <a:endParaRPr lang="de-DE" sz="5400" b="1" cap="none" spc="0" dirty="0">
-              <a:ln w="9525">
-                <a:solidFill>
-                  <a:schemeClr val="bg1"/>
-                </a:solidFill>
-                <a:prstDash val="solid"/>
-              </a:ln>
-              <a:solidFill>
-                <a:schemeClr val="tx1"/>
-              </a:solidFill>
-              <a:effectLst>
-                <a:outerShdw blurRad="12700" dist="38100" dir="2700000" algn="tl" rotWithShape="0">
-                  <a:schemeClr val="bg1">
-                    <a:lumMod val="50000"/>
-                  </a:schemeClr>
-                </a:outerShdw>
-              </a:effectLst>
-            </a:endParaRPr>
-          </a:p>
-        </p:txBody>
-      </p:sp>
     </p:spTree>
     <p:extLst>
       <p:ext uri="{BB962C8B-B14F-4D97-AF65-F5344CB8AC3E}">
@@ -7425,73 +7526,6 @@
               </a:rPr>
               <a:t>Statistiken nicht sehr ambitioniert</a:t>
             </a:r>
-          </a:p>
-        </p:txBody>
-      </p:sp>
-      <p:sp>
-        <p:nvSpPr>
-          <p:cNvPr id="9" name="Rechteck 8"/>
-          <p:cNvSpPr/>
-          <p:nvPr/>
-        </p:nvSpPr>
-        <p:spPr>
-          <a:xfrm>
-            <a:off x="3960192" y="4902761"/>
-            <a:ext cx="6840760" cy="646331"/>
-          </a:xfrm>
-          <a:prstGeom prst="rect">
-            <a:avLst/>
-          </a:prstGeom>
-          <a:solidFill>
-            <a:srgbClr val="FFFF00"/>
-          </a:solidFill>
-        </p:spPr>
-        <p:txBody>
-          <a:bodyPr wrap="square" lIns="91440" tIns="45720" rIns="91440" bIns="45720">
-            <a:spAutoFit/>
-          </a:bodyPr>
-          <a:lstStyle/>
-          <a:p>
-            <a:pPr algn="ctr"/>
-            <a:r>
-              <a:rPr lang="de-DE" sz="3600" b="1" cap="none" spc="0" dirty="0" smtClean="0">
-                <a:ln w="9525">
-                  <a:solidFill>
-                    <a:schemeClr val="bg1"/>
-                  </a:solidFill>
-                  <a:prstDash val="solid"/>
-                </a:ln>
-                <a:solidFill>
-                  <a:schemeClr val="tx1"/>
-                </a:solidFill>
-                <a:effectLst>
-                  <a:outerShdw blurRad="12700" dist="38100" dir="2700000" algn="tl" rotWithShape="0">
-                    <a:schemeClr val="bg1">
-                      <a:lumMod val="50000"/>
-                    </a:schemeClr>
-                  </a:outerShdw>
-                </a:effectLst>
-              </a:rPr>
-              <a:t>Fertigstellen / diskutieren</a:t>
-            </a:r>
-            <a:endParaRPr lang="de-DE" sz="3600" b="1" cap="none" spc="0" dirty="0">
-              <a:ln w="9525">
-                <a:solidFill>
-                  <a:schemeClr val="bg1"/>
-                </a:solidFill>
-                <a:prstDash val="solid"/>
-              </a:ln>
-              <a:solidFill>
-                <a:schemeClr val="tx1"/>
-              </a:solidFill>
-              <a:effectLst>
-                <a:outerShdw blurRad="12700" dist="38100" dir="2700000" algn="tl" rotWithShape="0">
-                  <a:schemeClr val="bg1">
-                    <a:lumMod val="50000"/>
-                  </a:schemeClr>
-                </a:outerShdw>
-              </a:effectLst>
-            </a:endParaRPr>
           </a:p>
         </p:txBody>
       </p:sp>
@@ -7544,14 +7578,14 @@
             </a:ln>
             <a:extLst>
               <a:ext uri="{909E8E84-426E-40dd-AFC4-6F175D3DCCD1}">
-                <a14:hiddenFill xmlns="" xmlns:a14="http://schemas.microsoft.com/office/drawing/2010/main">
+                <a14:hiddenFill xmlns:a14="http://schemas.microsoft.com/office/drawing/2010/main" xmlns="">
                   <a:solidFill>
                     <a:srgbClr val="FFFFFF"/>
                   </a:solidFill>
                 </a14:hiddenFill>
               </a:ext>
               <a:ext uri="{91240B29-F687-4f45-9708-019B960494DF}">
-                <a14:hiddenLine xmlns="" xmlns:a14="http://schemas.microsoft.com/office/drawing/2010/main" w="9525">
+                <a14:hiddenLine xmlns:a14="http://schemas.microsoft.com/office/drawing/2010/main" xmlns="" w="9525">
                   <a:solidFill>
                     <a:srgbClr val="000000"/>
                   </a:solidFill>
@@ -8297,73 +8331,6 @@
                 <a:schemeClr val="bg1"/>
               </a:solidFill>
               <a:latin typeface="Calibri" panose="020F0502020204030204" pitchFamily="34" charset="0"/>
-            </a:endParaRPr>
-          </a:p>
-        </p:txBody>
-      </p:sp>
-      <p:sp>
-        <p:nvSpPr>
-          <p:cNvPr id="9" name="Rechteck 8"/>
-          <p:cNvSpPr/>
-          <p:nvPr/>
-        </p:nvSpPr>
-        <p:spPr>
-          <a:xfrm>
-            <a:off x="5400352" y="3204245"/>
-            <a:ext cx="7128792" cy="1200329"/>
-          </a:xfrm>
-          <a:prstGeom prst="rect">
-            <a:avLst/>
-          </a:prstGeom>
-          <a:solidFill>
-            <a:srgbClr val="FFFF00"/>
-          </a:solidFill>
-        </p:spPr>
-        <p:txBody>
-          <a:bodyPr wrap="square" lIns="91440" tIns="45720" rIns="91440" bIns="45720">
-            <a:spAutoFit/>
-          </a:bodyPr>
-          <a:lstStyle/>
-          <a:p>
-            <a:pPr algn="ctr"/>
-            <a:r>
-              <a:rPr lang="de-DE" sz="3600" b="1" cap="none" spc="0" dirty="0" smtClean="0">
-                <a:ln w="9525">
-                  <a:solidFill>
-                    <a:schemeClr val="bg1"/>
-                  </a:solidFill>
-                  <a:prstDash val="solid"/>
-                </a:ln>
-                <a:solidFill>
-                  <a:schemeClr val="tx1"/>
-                </a:solidFill>
-                <a:effectLst>
-                  <a:outerShdw blurRad="12700" dist="38100" dir="2700000" algn="tl" rotWithShape="0">
-                    <a:schemeClr val="bg1">
-                      <a:lumMod val="50000"/>
-                    </a:schemeClr>
-                  </a:outerShdw>
-                </a:effectLst>
-              </a:rPr>
-              <a:t>Diskutieren oder ganze Folie weglassen</a:t>
-            </a:r>
-            <a:endParaRPr lang="de-DE" sz="3600" b="1" cap="none" spc="0" dirty="0">
-              <a:ln w="9525">
-                <a:solidFill>
-                  <a:schemeClr val="bg1"/>
-                </a:solidFill>
-                <a:prstDash val="solid"/>
-              </a:ln>
-              <a:solidFill>
-                <a:schemeClr val="tx1"/>
-              </a:solidFill>
-              <a:effectLst>
-                <a:outerShdw blurRad="12700" dist="38100" dir="2700000" algn="tl" rotWithShape="0">
-                  <a:schemeClr val="bg1">
-                    <a:lumMod val="50000"/>
-                  </a:schemeClr>
-                </a:outerShdw>
-              </a:effectLst>
             </a:endParaRPr>
           </a:p>
         </p:txBody>
